--- a/ProjectDocumentation/Pitch Deck/Pitch Deck Template.pptx
+++ b/ProjectDocumentation/Pitch Deck/Pitch Deck Template.pptx
@@ -1,24 +1,39 @@
 
 <file path=ppt/presentation.xml><?xml version="1.0" encoding="utf-8"?>
-<p:presentation xmlns:a="http://schemas.openxmlformats.org/drawingml/2006/main" xmlns:r="http://schemas.openxmlformats.org/officeDocument/2006/relationships" xmlns:p="http://schemas.openxmlformats.org/presentationml/2006/main" saveSubsetFonts="1" autoCompressPictures="0">
+<p:presentation xmlns:a="http://schemas.openxmlformats.org/drawingml/2006/main" xmlns:r="http://schemas.openxmlformats.org/officeDocument/2006/relationships" xmlns:p="http://schemas.openxmlformats.org/presentationml/2006/main" embedTrueTypeFonts="1" autoCompressPictures="0">
   <p:sldMasterIdLst>
     <p:sldMasterId id="2147483648" r:id="rId1"/>
   </p:sldMasterIdLst>
   <p:sldIdLst>
     <p:sldId id="259" r:id="rId2"/>
     <p:sldId id="263" r:id="rId3"/>
-    <p:sldId id="257" r:id="rId4"/>
-    <p:sldId id="258" r:id="rId5"/>
-    <p:sldId id="262" r:id="rId6"/>
-    <p:sldId id="264" r:id="rId7"/>
-    <p:sldId id="260" r:id="rId8"/>
-    <p:sldId id="261" r:id="rId9"/>
-    <p:sldId id="265" r:id="rId10"/>
-    <p:sldId id="266" r:id="rId11"/>
-    <p:sldId id="267" r:id="rId12"/>
+    <p:sldId id="268" r:id="rId4"/>
+    <p:sldId id="257" r:id="rId5"/>
+    <p:sldId id="258" r:id="rId6"/>
+    <p:sldId id="262" r:id="rId7"/>
+    <p:sldId id="264" r:id="rId8"/>
+    <p:sldId id="260" r:id="rId9"/>
+    <p:sldId id="261" r:id="rId10"/>
+    <p:sldId id="265" r:id="rId11"/>
+    <p:sldId id="266" r:id="rId12"/>
+    <p:sldId id="267" r:id="rId13"/>
+    <p:sldId id="269" r:id="rId14"/>
   </p:sldIdLst>
   <p:sldSz cx="12192000" cy="6858000"/>
   <p:notesSz cx="6858000" cy="9144000"/>
+  <p:embeddedFontLst>
+    <p:embeddedFont>
+      <p:font typeface="Darumadrop One" pitchFamily="2" charset="-128"/>
+      <p:regular r:id="rId15"/>
+    </p:embeddedFont>
+    <p:embeddedFont>
+      <p:font typeface="Calibri" panose="020F0502020204030204" pitchFamily="34" charset="0"/>
+      <p:regular r:id="rId16"/>
+      <p:bold r:id="rId17"/>
+      <p:italic r:id="rId18"/>
+      <p:boldItalic r:id="rId19"/>
+    </p:embeddedFont>
+  </p:embeddedFontLst>
   <p:defaultTextStyle>
     <a:defPPr>
       <a:defRPr lang="en-US"/>
@@ -2681,7 +2696,7 @@
             <a:fld id="{C8159B10-5160-9341-84A7-DE2A6908CE57}" type="datetimeFigureOut">
               <a:rPr lang="en-US" smtClean="0"/>
               <a:pPr/>
-              <a:t>6/5/23</a:t>
+              <a:t>6/7/2023</a:t>
             </a:fld>
             <a:endParaRPr lang="en-US" dirty="0"/>
           </a:p>
@@ -3101,7 +3116,7 @@
           <a:p>
             <a:fld id="{C8159B10-5160-9341-84A7-DE2A6908CE57}" type="datetimeFigureOut">
               <a:rPr lang="en-US" smtClean="0"/>
-              <a:t>6/5/23</a:t>
+              <a:t>6/7/2023</a:t>
             </a:fld>
             <a:endParaRPr lang="en-US"/>
           </a:p>
@@ -3401,7 +3416,7 @@
           <a:p>
             <a:fld id="{C8159B10-5160-9341-84A7-DE2A6908CE57}" type="datetimeFigureOut">
               <a:rPr lang="en-US" smtClean="0"/>
-              <a:t>6/5/23</a:t>
+              <a:t>6/7/2023</a:t>
             </a:fld>
             <a:endParaRPr lang="en-US"/>
           </a:p>
@@ -3918,7 +3933,7 @@
             <a:fld id="{C8159B10-5160-9341-84A7-DE2A6908CE57}" type="datetimeFigureOut">
               <a:rPr lang="en-US" smtClean="0"/>
               <a:pPr/>
-              <a:t>6/5/23</a:t>
+              <a:t>6/7/2023</a:t>
             </a:fld>
             <a:endParaRPr lang="en-US"/>
           </a:p>
@@ -4671,7 +4686,7 @@
             <a:fld id="{C8159B10-5160-9341-84A7-DE2A6908CE57}" type="datetimeFigureOut">
               <a:rPr lang="en-US" smtClean="0"/>
               <a:pPr/>
-              <a:t>6/5/23</a:t>
+              <a:t>6/7/2023</a:t>
             </a:fld>
             <a:endParaRPr lang="en-US"/>
           </a:p>
@@ -5498,7 +5513,7 @@
             <a:fld id="{C8159B10-5160-9341-84A7-DE2A6908CE57}" type="datetimeFigureOut">
               <a:rPr lang="en-US" smtClean="0"/>
               <a:pPr/>
-              <a:t>6/5/23</a:t>
+              <a:t>6/7/2023</a:t>
             </a:fld>
             <a:endParaRPr lang="en-US"/>
           </a:p>
@@ -6342,7 +6357,7 @@
           <a:p>
             <a:fld id="{C8159B10-5160-9341-84A7-DE2A6908CE57}" type="datetimeFigureOut">
               <a:rPr lang="en-US" smtClean="0"/>
-              <a:t>6/5/23</a:t>
+              <a:t>6/7/2023</a:t>
             </a:fld>
             <a:endParaRPr lang="en-US"/>
           </a:p>
@@ -7431,7 +7446,7 @@
             <a:fld id="{C8159B10-5160-9341-84A7-DE2A6908CE57}" type="datetimeFigureOut">
               <a:rPr lang="en-US" smtClean="0"/>
               <a:pPr/>
-              <a:t>6/5/23</a:t>
+              <a:t>6/7/2023</a:t>
             </a:fld>
             <a:endParaRPr lang="en-US"/>
           </a:p>
@@ -8066,7 +8081,7 @@
             <a:fld id="{C8159B10-5160-9341-84A7-DE2A6908CE57}" type="datetimeFigureOut">
               <a:rPr lang="en-US" smtClean="0"/>
               <a:pPr/>
-              <a:t>6/5/23</a:t>
+              <a:t>6/7/2023</a:t>
             </a:fld>
             <a:endParaRPr lang="en-US"/>
           </a:p>
@@ -8229,7 +8244,7 @@
           <a:p>
             <a:fld id="{C8159B10-5160-9341-84A7-DE2A6908CE57}" type="datetimeFigureOut">
               <a:rPr lang="en-US" smtClean="0"/>
-              <a:t>6/5/23</a:t>
+              <a:t>6/7/2023</a:t>
             </a:fld>
             <a:endParaRPr lang="en-US"/>
           </a:p>
@@ -8342,7 +8357,7 @@
           <a:p>
             <a:fld id="{C8159B10-5160-9341-84A7-DE2A6908CE57}" type="datetimeFigureOut">
               <a:rPr lang="en-US" smtClean="0"/>
-              <a:t>6/5/23</a:t>
+              <a:t>6/7/2023</a:t>
             </a:fld>
             <a:endParaRPr lang="en-US"/>
           </a:p>
@@ -8619,7 +8634,7 @@
             <a:fld id="{C8159B10-5160-9341-84A7-DE2A6908CE57}" type="datetimeFigureOut">
               <a:rPr lang="en-US" smtClean="0"/>
               <a:pPr/>
-              <a:t>6/5/23</a:t>
+              <a:t>6/7/2023</a:t>
             </a:fld>
             <a:endParaRPr lang="en-US" dirty="0"/>
           </a:p>
@@ -9498,6 +9513,92 @@
 </file>
 
 <file path=ppt/slides/slide10.xml><?xml version="1.0" encoding="utf-8"?>
+<p:sld xmlns:a="http://schemas.openxmlformats.org/drawingml/2006/main" xmlns:r="http://schemas.openxmlformats.org/officeDocument/2006/relationships" xmlns:p="http://schemas.openxmlformats.org/presentationml/2006/main">
+  <p:cSld>
+    <p:spTree>
+      <p:nvGrpSpPr>
+        <p:cNvPr id="1" name=""/>
+        <p:cNvGrpSpPr/>
+        <p:nvPr/>
+      </p:nvGrpSpPr>
+      <p:grpSpPr>
+        <a:xfrm>
+          <a:off x="0" y="0"/>
+          <a:ext cx="0" cy="0"/>
+          <a:chOff x="0" y="0"/>
+          <a:chExt cx="0" cy="0"/>
+        </a:xfrm>
+      </p:grpSpPr>
+      <p:sp>
+        <p:nvSpPr>
+          <p:cNvPr id="2" name="Title 1">
+            <a:extLst>
+              <a:ext uri="{FF2B5EF4-FFF2-40B4-BE49-F238E27FC236}">
+                <a16:creationId xmlns:a16="http://schemas.microsoft.com/office/drawing/2014/main" id="{40DCF6CD-D886-9E52-12EF-E08316869FC9}"/>
+              </a:ext>
+            </a:extLst>
+          </p:cNvPr>
+          <p:cNvSpPr>
+            <a:spLocks noGrp="1"/>
+          </p:cNvSpPr>
+          <p:nvPr>
+            <p:ph type="title"/>
+          </p:nvPr>
+        </p:nvSpPr>
+        <p:spPr/>
+        <p:txBody>
+          <a:bodyPr/>
+          <a:lstStyle/>
+          <a:p>
+            <a:r>
+              <a:rPr lang="en-US" dirty="0"/>
+              <a:t>Demonstration</a:t>
+            </a:r>
+          </a:p>
+        </p:txBody>
+      </p:sp>
+      <p:sp>
+        <p:nvSpPr>
+          <p:cNvPr id="3" name="Content Placeholder 2">
+            <a:extLst>
+              <a:ext uri="{FF2B5EF4-FFF2-40B4-BE49-F238E27FC236}">
+                <a16:creationId xmlns:a16="http://schemas.microsoft.com/office/drawing/2014/main" id="{56F4EF2E-C533-FBEE-B4E8-69132E404B38}"/>
+              </a:ext>
+            </a:extLst>
+          </p:cNvPr>
+          <p:cNvSpPr>
+            <a:spLocks noGrp="1"/>
+          </p:cNvSpPr>
+          <p:nvPr>
+            <p:ph sz="half" idx="2"/>
+          </p:nvPr>
+        </p:nvSpPr>
+        <p:spPr/>
+        <p:txBody>
+          <a:bodyPr/>
+          <a:lstStyle/>
+          <a:p>
+            <a:endParaRPr lang="en-US"/>
+          </a:p>
+        </p:txBody>
+      </p:sp>
+    </p:spTree>
+    <p:extLst>
+      <p:ext uri="{BB962C8B-B14F-4D97-AF65-F5344CB8AC3E}">
+        <p14:creationId xmlns:p14="http://schemas.microsoft.com/office/powerpoint/2010/main" val="1474825517"/>
+      </p:ext>
+    </p:extLst>
+  </p:cSld>
+  <p:clrMapOvr>
+    <a:masterClrMapping/>
+  </p:clrMapOvr>
+  <p:transition spd="slow">
+    <p:push/>
+  </p:transition>
+</p:sld>
+</file>
+
+<file path=ppt/slides/slide11.xml><?xml version="1.0" encoding="utf-8"?>
 <p:sld xmlns:a="http://schemas.openxmlformats.org/drawingml/2006/main" xmlns:r="http://schemas.openxmlformats.org/officeDocument/2006/relationships" xmlns:p="http://schemas.openxmlformats.org/presentationml/2006/main">
   <p:cSld>
     <p:spTree>
@@ -10432,7 +10533,7 @@
 </p:sld>
 </file>
 
-<file path=ppt/slides/slide11.xml><?xml version="1.0" encoding="utf-8"?>
+<file path=ppt/slides/slide12.xml><?xml version="1.0" encoding="utf-8"?>
 <p:sld xmlns:a="http://schemas.openxmlformats.org/drawingml/2006/main" xmlns:r="http://schemas.openxmlformats.org/officeDocument/2006/relationships" xmlns:p="http://schemas.openxmlformats.org/presentationml/2006/main">
   <p:cSld>
     <p:spTree>
@@ -10551,7 +10652,7 @@
         <p:spPr>
           <a:xfrm>
             <a:off x="2688796" y="5053261"/>
-            <a:ext cx="628469" cy="1439614"/>
+            <a:ext cx="1006511" cy="1439614"/>
           </a:xfrm>
           <a:prstGeom prst="rect">
             <a:avLst/>
@@ -11297,33 +11398,8 @@
           <a:p>
             <a:r>
               <a:rPr lang="en-US" dirty="0"/>
-              <a:t>Prototype</a:t>
+              <a:t>Competitive Analysis</a:t>
             </a:r>
-          </a:p>
-        </p:txBody>
-      </p:sp>
-      <p:sp>
-        <p:nvSpPr>
-          <p:cNvPr id="3" name="Content Placeholder 2">
-            <a:extLst>
-              <a:ext uri="{FF2B5EF4-FFF2-40B4-BE49-F238E27FC236}">
-                <a16:creationId xmlns:a16="http://schemas.microsoft.com/office/drawing/2014/main" id="{AF2224EE-09D5-B86B-AEB2-E6498BBC86E3}"/>
-              </a:ext>
-            </a:extLst>
-          </p:cNvPr>
-          <p:cNvSpPr>
-            <a:spLocks noGrp="1"/>
-          </p:cNvSpPr>
-          <p:nvPr>
-            <p:ph sz="half" idx="1"/>
-          </p:nvPr>
-        </p:nvSpPr>
-        <p:spPr/>
-        <p:txBody>
-          <a:bodyPr/>
-          <a:lstStyle/>
-          <a:p>
-            <a:endParaRPr lang="en-US"/>
           </a:p>
         </p:txBody>
       </p:sp>
@@ -11352,6 +11428,202 @@
           </a:p>
         </p:txBody>
       </p:sp>
+      <p:pic>
+        <p:nvPicPr>
+          <p:cNvPr id="30" name="Crate" descr="A picture containing text, sketch, screenshot, black&#10;&#10;Description automatically generated">
+            <a:extLst>
+              <a:ext uri="{FF2B5EF4-FFF2-40B4-BE49-F238E27FC236}">
+                <a16:creationId xmlns:a16="http://schemas.microsoft.com/office/drawing/2014/main" id="{B59E812D-1370-4986-8964-350C7F1AC3E3}"/>
+              </a:ext>
+            </a:extLst>
+          </p:cNvPr>
+          <p:cNvPicPr>
+            <a:picLocks noChangeAspect="1"/>
+          </p:cNvPicPr>
+          <p:nvPr/>
+        </p:nvPicPr>
+        <p:blipFill>
+          <a:blip r:embed="rId11">
+            <a:duotone>
+              <a:prstClr val="black"/>
+              <a:srgbClr val="FF0000">
+                <a:tint val="45000"/>
+                <a:satMod val="400000"/>
+              </a:srgbClr>
+            </a:duotone>
+            <a:extLst>
+              <a:ext uri="{BEBA8EAE-BF5A-486C-A8C5-ECC9F3942E4B}">
+                <a14:imgProps xmlns:a14="http://schemas.microsoft.com/office/drawing/2010/main">
+                  <a14:imgLayer r:embed="rId12">
+                    <a14:imgEffect>
+                      <a14:saturation sat="0"/>
+                    </a14:imgEffect>
+                  </a14:imgLayer>
+                </a14:imgProps>
+              </a:ext>
+            </a:extLst>
+          </a:blip>
+          <a:stretch>
+            <a:fillRect/>
+          </a:stretch>
+        </p:blipFill>
+        <p:spPr>
+          <a:xfrm>
+            <a:off x="10707000" y="5143068"/>
+            <a:ext cx="630000" cy="630000"/>
+          </a:xfrm>
+          <a:prstGeom prst="rect">
+            <a:avLst/>
+          </a:prstGeom>
+        </p:spPr>
+      </p:pic>
+      <p:pic>
+        <p:nvPicPr>
+          <p:cNvPr id="31" name="Crate" descr="A picture containing text, sketch, black&#10;&#10;Description automatically generated">
+            <a:extLst>
+              <a:ext uri="{FF2B5EF4-FFF2-40B4-BE49-F238E27FC236}">
+                <a16:creationId xmlns:a16="http://schemas.microsoft.com/office/drawing/2014/main" id="{04670560-EB7B-D7F7-AE1C-117FEEA62B2E}"/>
+              </a:ext>
+            </a:extLst>
+          </p:cNvPr>
+          <p:cNvPicPr>
+            <a:picLocks noChangeAspect="1"/>
+          </p:cNvPicPr>
+          <p:nvPr/>
+        </p:nvPicPr>
+        <p:blipFill>
+          <a:blip r:embed="rId13">
+            <a:duotone>
+              <a:prstClr val="black"/>
+              <a:srgbClr val="FF00FF">
+                <a:tint val="45000"/>
+                <a:satMod val="400000"/>
+              </a:srgbClr>
+            </a:duotone>
+            <a:extLst>
+              <a:ext uri="{BEBA8EAE-BF5A-486C-A8C5-ECC9F3942E4B}">
+                <a14:imgProps xmlns:a14="http://schemas.microsoft.com/office/drawing/2010/main">
+                  <a14:imgLayer r:embed="rId14">
+                    <a14:imgEffect>
+                      <a14:saturation sat="0"/>
+                    </a14:imgEffect>
+                  </a14:imgLayer>
+                </a14:imgProps>
+              </a:ext>
+            </a:extLst>
+          </a:blip>
+          <a:stretch>
+            <a:fillRect/>
+          </a:stretch>
+        </p:blipFill>
+        <p:spPr>
+          <a:xfrm>
+            <a:off x="10707000" y="5846819"/>
+            <a:ext cx="630000" cy="630000"/>
+          </a:xfrm>
+          <a:prstGeom prst="rect">
+            <a:avLst/>
+          </a:prstGeom>
+        </p:spPr>
+      </p:pic>
+      <p:pic>
+        <p:nvPicPr>
+          <p:cNvPr id="32" name="Crate" descr="A picture containing sketch, symmetry, pattern, black&#10;&#10;Description automatically generated">
+            <a:extLst>
+              <a:ext uri="{FF2B5EF4-FFF2-40B4-BE49-F238E27FC236}">
+                <a16:creationId xmlns:a16="http://schemas.microsoft.com/office/drawing/2014/main" id="{0CF6B1E8-F52B-58B6-9981-217216F6BEF2}"/>
+              </a:ext>
+            </a:extLst>
+          </p:cNvPr>
+          <p:cNvPicPr>
+            <a:picLocks noChangeAspect="1"/>
+          </p:cNvPicPr>
+          <p:nvPr/>
+        </p:nvPicPr>
+        <p:blipFill>
+          <a:blip r:embed="rId15">
+            <a:duotone>
+              <a:prstClr val="black"/>
+              <a:srgbClr val="FF8600">
+                <a:tint val="45000"/>
+                <a:satMod val="400000"/>
+              </a:srgbClr>
+            </a:duotone>
+            <a:extLst>
+              <a:ext uri="{BEBA8EAE-BF5A-486C-A8C5-ECC9F3942E4B}">
+                <a14:imgProps xmlns:a14="http://schemas.microsoft.com/office/drawing/2010/main">
+                  <a14:imgLayer r:embed="rId16">
+                    <a14:imgEffect>
+                      <a14:saturation sat="0"/>
+                    </a14:imgEffect>
+                  </a14:imgLayer>
+                </a14:imgProps>
+              </a:ext>
+            </a:extLst>
+          </a:blip>
+          <a:stretch>
+            <a:fillRect/>
+          </a:stretch>
+        </p:blipFill>
+        <p:spPr>
+          <a:xfrm>
+            <a:off x="11463590" y="5842065"/>
+            <a:ext cx="630000" cy="630000"/>
+          </a:xfrm>
+          <a:prstGeom prst="rect">
+            <a:avLst/>
+          </a:prstGeom>
+        </p:spPr>
+      </p:pic>
+      <p:pic>
+        <p:nvPicPr>
+          <p:cNvPr id="33" name="Crate" descr="A picture containing text, sketch, screenshot, black&#10;&#10;Description automatically generated">
+            <a:extLst>
+              <a:ext uri="{FF2B5EF4-FFF2-40B4-BE49-F238E27FC236}">
+                <a16:creationId xmlns:a16="http://schemas.microsoft.com/office/drawing/2014/main" id="{48B35970-91D0-BA82-A453-FB9C070BCF5F}"/>
+              </a:ext>
+            </a:extLst>
+          </p:cNvPr>
+          <p:cNvPicPr>
+            <a:picLocks noChangeAspect="1"/>
+          </p:cNvPicPr>
+          <p:nvPr/>
+        </p:nvPicPr>
+        <p:blipFill>
+          <a:blip r:embed="rId11">
+            <a:duotone>
+              <a:prstClr val="black"/>
+              <a:srgbClr val="FF0000">
+                <a:tint val="45000"/>
+                <a:satMod val="400000"/>
+              </a:srgbClr>
+            </a:duotone>
+            <a:extLst>
+              <a:ext uri="{BEBA8EAE-BF5A-486C-A8C5-ECC9F3942E4B}">
+                <a14:imgProps xmlns:a14="http://schemas.microsoft.com/office/drawing/2010/main">
+                  <a14:imgLayer r:embed="rId12">
+                    <a14:imgEffect>
+                      <a14:saturation sat="0"/>
+                    </a14:imgEffect>
+                  </a14:imgLayer>
+                </a14:imgProps>
+              </a:ext>
+            </a:extLst>
+          </a:blip>
+          <a:stretch>
+            <a:fillRect/>
+          </a:stretch>
+        </p:blipFill>
+        <p:spPr>
+          <a:xfrm>
+            <a:off x="11443800" y="5120132"/>
+            <a:ext cx="630000" cy="630000"/>
+          </a:xfrm>
+          <a:prstGeom prst="rect">
+            <a:avLst/>
+          </a:prstGeom>
+        </p:spPr>
+      </p:pic>
     </p:spTree>
     <p:extLst>
       <p:ext uri="{BB962C8B-B14F-4D97-AF65-F5344CB8AC3E}">
@@ -11362,18 +11634,2050 @@
   <p:clrMapOvr>
     <a:masterClrMapping/>
   </p:clrMapOvr>
-  <mc:AlternateContent xmlns:mc="http://schemas.openxmlformats.org/markup-compatibility/2006">
-    <mc:Choice xmlns:p159="http://schemas.microsoft.com/office/powerpoint/2015/09/main" Requires="p159">
+  <mc:AlternateContent xmlns:mc="http://schemas.openxmlformats.org/markup-compatibility/2006" xmlns:p159="http://schemas.microsoft.com/office/powerpoint/2015/09/main">
+    <mc:Choice Requires="p159">
       <p:transition xmlns:p14="http://schemas.microsoft.com/office/powerpoint/2010/main" spd="slow" p14:dur="3000">
         <p159:morph option="byObject"/>
       </p:transition>
     </mc:Choice>
-    <mc:Fallback>
+    <mc:Fallback xmlns="">
       <p:transition spd="slow">
         <p:fade/>
       </p:transition>
     </mc:Fallback>
   </mc:AlternateContent>
+</p:sld>
+</file>
+
+<file path=ppt/slides/slide13.xml><?xml version="1.0" encoding="utf-8"?>
+<p:sld xmlns:a="http://schemas.openxmlformats.org/drawingml/2006/main" xmlns:r="http://schemas.openxmlformats.org/officeDocument/2006/relationships" xmlns:p="http://schemas.openxmlformats.org/presentationml/2006/main">
+  <p:cSld>
+    <p:spTree>
+      <p:nvGrpSpPr>
+        <p:cNvPr id="1" name=""/>
+        <p:cNvGrpSpPr/>
+        <p:nvPr/>
+      </p:nvGrpSpPr>
+      <p:grpSpPr>
+        <a:xfrm>
+          <a:off x="0" y="0"/>
+          <a:ext cx="0" cy="0"/>
+          <a:chOff x="0" y="0"/>
+          <a:chExt cx="0" cy="0"/>
+        </a:xfrm>
+      </p:grpSpPr>
+      <p:pic>
+        <p:nvPicPr>
+          <p:cNvPr id="5" name="Cloud 1">
+            <a:extLst>
+              <a:ext uri="{FF2B5EF4-FFF2-40B4-BE49-F238E27FC236}">
+                <a16:creationId xmlns:a16="http://schemas.microsoft.com/office/drawing/2014/main" id="{9C8FC224-5FD7-D88B-4405-BB318A00545D}"/>
+              </a:ext>
+              <a:ext uri="{C183D7F6-B498-43B3-948B-1728B52AA6E4}">
+                <adec:decorative xmlns:adec="http://schemas.microsoft.com/office/drawing/2017/decorative" val="1"/>
+              </a:ext>
+            </a:extLst>
+          </p:cNvPr>
+          <p:cNvPicPr>
+            <a:picLocks noChangeAspect="1"/>
+          </p:cNvPicPr>
+          <p:nvPr/>
+        </p:nvPicPr>
+        <p:blipFill>
+          <a:blip r:embed="rId2"/>
+          <a:stretch>
+            <a:fillRect/>
+          </a:stretch>
+        </p:blipFill>
+        <p:spPr>
+          <a:xfrm>
+            <a:off x="9913800" y="293692"/>
+            <a:ext cx="2880000" cy="2880000"/>
+          </a:xfrm>
+          <a:prstGeom prst="rect">
+            <a:avLst/>
+          </a:prstGeom>
+        </p:spPr>
+      </p:pic>
+      <p:sp>
+        <p:nvSpPr>
+          <p:cNvPr id="6" name="Scaffolding">
+            <a:extLst>
+              <a:ext uri="{FF2B5EF4-FFF2-40B4-BE49-F238E27FC236}">
+                <a16:creationId xmlns:a16="http://schemas.microsoft.com/office/drawing/2014/main" id="{69543B3B-68CE-EF79-E6B3-67B1DD5A3C15}"/>
+              </a:ext>
+            </a:extLst>
+          </p:cNvPr>
+          <p:cNvSpPr/>
+          <p:nvPr/>
+        </p:nvSpPr>
+        <p:spPr>
+          <a:xfrm>
+            <a:off x="5358542" y="5053261"/>
+            <a:ext cx="628469" cy="1439614"/>
+          </a:xfrm>
+          <a:prstGeom prst="rect">
+            <a:avLst/>
+          </a:prstGeom>
+          <a:blipFill dpi="0" rotWithShape="1">
+            <a:blip r:embed="rId3"/>
+            <a:srcRect/>
+            <a:tile tx="0" ty="0" sx="50000" sy="50000" flip="none" algn="tl"/>
+          </a:blipFill>
+          <a:ln>
+            <a:noFill/>
+          </a:ln>
+        </p:spPr>
+        <p:style>
+          <a:lnRef idx="2">
+            <a:schemeClr val="accent1">
+              <a:shade val="15000"/>
+            </a:schemeClr>
+          </a:lnRef>
+          <a:fillRef idx="1">
+            <a:schemeClr val="accent1"/>
+          </a:fillRef>
+          <a:effectRef idx="0">
+            <a:schemeClr val="accent1"/>
+          </a:effectRef>
+          <a:fontRef idx="minor">
+            <a:schemeClr val="lt1"/>
+          </a:fontRef>
+        </p:style>
+        <p:txBody>
+          <a:bodyPr rtlCol="0" anchor="ctr"/>
+          <a:lstStyle/>
+          <a:p>
+            <a:pPr algn="ctr"/>
+            <a:endParaRPr lang="en-US"/>
+          </a:p>
+        </p:txBody>
+      </p:sp>
+      <p:sp>
+        <p:nvSpPr>
+          <p:cNvPr id="7" name="Scaffolding">
+            <a:extLst>
+              <a:ext uri="{FF2B5EF4-FFF2-40B4-BE49-F238E27FC236}">
+                <a16:creationId xmlns:a16="http://schemas.microsoft.com/office/drawing/2014/main" id="{9A1E9F56-E211-61E5-507E-6AEA668312BB}"/>
+              </a:ext>
+            </a:extLst>
+          </p:cNvPr>
+          <p:cNvSpPr/>
+          <p:nvPr/>
+        </p:nvSpPr>
+        <p:spPr>
+          <a:xfrm>
+            <a:off x="2688796" y="5053261"/>
+            <a:ext cx="628469" cy="1439614"/>
+          </a:xfrm>
+          <a:prstGeom prst="rect">
+            <a:avLst/>
+          </a:prstGeom>
+          <a:blipFill dpi="0" rotWithShape="1">
+            <a:blip r:embed="rId3"/>
+            <a:srcRect/>
+            <a:tile tx="0" ty="0" sx="50000" sy="50000" flip="none" algn="tl"/>
+          </a:blipFill>
+          <a:ln>
+            <a:noFill/>
+          </a:ln>
+        </p:spPr>
+        <p:style>
+          <a:lnRef idx="2">
+            <a:schemeClr val="accent1">
+              <a:shade val="15000"/>
+            </a:schemeClr>
+          </a:lnRef>
+          <a:fillRef idx="1">
+            <a:schemeClr val="accent1"/>
+          </a:fillRef>
+          <a:effectRef idx="0">
+            <a:schemeClr val="accent1"/>
+          </a:effectRef>
+          <a:fontRef idx="minor">
+            <a:schemeClr val="lt1"/>
+          </a:fontRef>
+        </p:style>
+        <p:txBody>
+          <a:bodyPr rtlCol="0" anchor="ctr"/>
+          <a:lstStyle/>
+          <a:p>
+            <a:pPr algn="ctr"/>
+            <a:endParaRPr lang="en-US"/>
+          </a:p>
+        </p:txBody>
+      </p:sp>
+      <p:sp>
+        <p:nvSpPr>
+          <p:cNvPr id="8" name="Ground">
+            <a:extLst>
+              <a:ext uri="{FF2B5EF4-FFF2-40B4-BE49-F238E27FC236}">
+                <a16:creationId xmlns:a16="http://schemas.microsoft.com/office/drawing/2014/main" id="{D329AC28-9E55-A5E8-5D6B-1F42AF0B8B42}"/>
+              </a:ext>
+            </a:extLst>
+          </p:cNvPr>
+          <p:cNvSpPr/>
+          <p:nvPr/>
+        </p:nvSpPr>
+        <p:spPr>
+          <a:xfrm>
+            <a:off x="0" y="6356350"/>
+            <a:ext cx="12192000" cy="501650"/>
+          </a:xfrm>
+          <a:prstGeom prst="rect">
+            <a:avLst/>
+          </a:prstGeom>
+          <a:blipFill dpi="0" rotWithShape="1">
+            <a:blip r:embed="rId4"/>
+            <a:srcRect/>
+            <a:tile tx="0" ty="0" sx="100000" sy="100000" flip="none" algn="tl"/>
+          </a:blipFill>
+          <a:ln>
+            <a:noFill/>
+          </a:ln>
+        </p:spPr>
+        <p:style>
+          <a:lnRef idx="2">
+            <a:schemeClr val="accent1">
+              <a:shade val="15000"/>
+            </a:schemeClr>
+          </a:lnRef>
+          <a:fillRef idx="1">
+            <a:schemeClr val="accent1"/>
+          </a:fillRef>
+          <a:effectRef idx="0">
+            <a:schemeClr val="accent1"/>
+          </a:effectRef>
+          <a:fontRef idx="minor">
+            <a:schemeClr val="lt1"/>
+          </a:fontRef>
+        </p:style>
+        <p:txBody>
+          <a:bodyPr rtlCol="0" anchor="ctr"/>
+          <a:lstStyle/>
+          <a:p>
+            <a:pPr algn="ctr"/>
+            <a:endParaRPr lang="en-US"/>
+          </a:p>
+        </p:txBody>
+      </p:sp>
+      <p:grpSp>
+        <p:nvGrpSpPr>
+          <p:cNvPr id="9" name="Chain Platform">
+            <a:extLst>
+              <a:ext uri="{FF2B5EF4-FFF2-40B4-BE49-F238E27FC236}">
+                <a16:creationId xmlns:a16="http://schemas.microsoft.com/office/drawing/2014/main" id="{4CD38B39-6541-BFFB-0905-8F28667CF9A4}"/>
+              </a:ext>
+            </a:extLst>
+          </p:cNvPr>
+          <p:cNvGrpSpPr/>
+          <p:nvPr/>
+        </p:nvGrpSpPr>
+        <p:grpSpPr>
+          <a:xfrm>
+            <a:off x="540000" y="2584156"/>
+            <a:ext cx="1641600" cy="2668244"/>
+            <a:chOff x="838200" y="2584156"/>
+            <a:chExt cx="1641600" cy="2668244"/>
+          </a:xfrm>
+        </p:grpSpPr>
+        <p:grpSp>
+          <p:nvGrpSpPr>
+            <p:cNvPr id="10" name="Chain">
+              <a:extLst>
+                <a:ext uri="{FF2B5EF4-FFF2-40B4-BE49-F238E27FC236}">
+                  <a16:creationId xmlns:a16="http://schemas.microsoft.com/office/drawing/2014/main" id="{A0FA112F-A298-379F-01F9-BCB932E097DB}"/>
+                </a:ext>
+              </a:extLst>
+            </p:cNvPr>
+            <p:cNvGrpSpPr/>
+            <p:nvPr userDrawn="1"/>
+          </p:nvGrpSpPr>
+          <p:grpSpPr>
+            <a:xfrm>
+              <a:off x="1939800" y="2584156"/>
+              <a:ext cx="540000" cy="1943457"/>
+              <a:chOff x="10203873" y="2385700"/>
+              <a:chExt cx="540000" cy="1943457"/>
+            </a:xfrm>
+          </p:grpSpPr>
+          <p:pic>
+            <p:nvPicPr>
+              <p:cNvPr id="19" name="Chain Link" descr="A white object with a black background&#10;&#10;Description automatically generated with low confidence">
+                <a:extLst>
+                  <a:ext uri="{FF2B5EF4-FFF2-40B4-BE49-F238E27FC236}">
+                    <a16:creationId xmlns:a16="http://schemas.microsoft.com/office/drawing/2014/main" id="{AA8D7A0A-7489-5B18-D3A6-B1BD8B052A9E}"/>
+                  </a:ext>
+                </a:extLst>
+              </p:cNvPr>
+              <p:cNvPicPr>
+                <a:picLocks noChangeAspect="1"/>
+              </p:cNvPicPr>
+              <p:nvPr userDrawn="1"/>
+            </p:nvPicPr>
+            <p:blipFill>
+              <a:blip r:embed="rId5"/>
+              <a:stretch>
+                <a:fillRect/>
+              </a:stretch>
+            </p:blipFill>
+            <p:spPr>
+              <a:xfrm>
+                <a:off x="10203873" y="3789157"/>
+                <a:ext cx="540000" cy="540000"/>
+              </a:xfrm>
+              <a:prstGeom prst="rect">
+                <a:avLst/>
+              </a:prstGeom>
+            </p:spPr>
+          </p:pic>
+          <p:pic>
+            <p:nvPicPr>
+              <p:cNvPr id="20" name="Chain Link" descr="A white object with a black background&#10;&#10;Description automatically generated with low confidence">
+                <a:extLst>
+                  <a:ext uri="{FF2B5EF4-FFF2-40B4-BE49-F238E27FC236}">
+                    <a16:creationId xmlns:a16="http://schemas.microsoft.com/office/drawing/2014/main" id="{CBD25087-DE91-A658-AD3F-BFA5FB7C05B2}"/>
+                  </a:ext>
+                </a:extLst>
+              </p:cNvPr>
+              <p:cNvPicPr>
+                <a:picLocks noChangeAspect="1"/>
+              </p:cNvPicPr>
+              <p:nvPr userDrawn="1"/>
+            </p:nvPicPr>
+            <p:blipFill>
+              <a:blip r:embed="rId5"/>
+              <a:stretch>
+                <a:fillRect/>
+              </a:stretch>
+            </p:blipFill>
+            <p:spPr>
+              <a:xfrm>
+                <a:off x="10203873" y="3501338"/>
+                <a:ext cx="540000" cy="540000"/>
+              </a:xfrm>
+              <a:prstGeom prst="rect">
+                <a:avLst/>
+              </a:prstGeom>
+            </p:spPr>
+          </p:pic>
+          <p:pic>
+            <p:nvPicPr>
+              <p:cNvPr id="21" name="Chain Link" descr="A white object with a black background&#10;&#10;Description automatically generated with low confidence">
+                <a:extLst>
+                  <a:ext uri="{FF2B5EF4-FFF2-40B4-BE49-F238E27FC236}">
+                    <a16:creationId xmlns:a16="http://schemas.microsoft.com/office/drawing/2014/main" id="{D7B07779-5B35-4510-225F-B1F00C118B19}"/>
+                  </a:ext>
+                </a:extLst>
+              </p:cNvPr>
+              <p:cNvPicPr>
+                <a:picLocks noChangeAspect="1"/>
+              </p:cNvPicPr>
+              <p:nvPr userDrawn="1"/>
+            </p:nvPicPr>
+            <p:blipFill>
+              <a:blip r:embed="rId5"/>
+              <a:stretch>
+                <a:fillRect/>
+              </a:stretch>
+            </p:blipFill>
+            <p:spPr>
+              <a:xfrm>
+                <a:off x="10203873" y="3231338"/>
+                <a:ext cx="540000" cy="540000"/>
+              </a:xfrm>
+              <a:prstGeom prst="rect">
+                <a:avLst/>
+              </a:prstGeom>
+            </p:spPr>
+          </p:pic>
+          <p:pic>
+            <p:nvPicPr>
+              <p:cNvPr id="22" name="Chain Link" descr="A white object with a black background&#10;&#10;Description automatically generated with low confidence">
+                <a:extLst>
+                  <a:ext uri="{FF2B5EF4-FFF2-40B4-BE49-F238E27FC236}">
+                    <a16:creationId xmlns:a16="http://schemas.microsoft.com/office/drawing/2014/main" id="{4FC77CEB-9AED-7513-B0F5-7CEBC6DA13DA}"/>
+                  </a:ext>
+                </a:extLst>
+              </p:cNvPr>
+              <p:cNvPicPr>
+                <a:picLocks noChangeAspect="1"/>
+              </p:cNvPicPr>
+              <p:nvPr userDrawn="1"/>
+            </p:nvPicPr>
+            <p:blipFill>
+              <a:blip r:embed="rId5"/>
+              <a:stretch>
+                <a:fillRect/>
+              </a:stretch>
+            </p:blipFill>
+            <p:spPr>
+              <a:xfrm>
+                <a:off x="10203873" y="2943519"/>
+                <a:ext cx="540000" cy="540000"/>
+              </a:xfrm>
+              <a:prstGeom prst="rect">
+                <a:avLst/>
+              </a:prstGeom>
+            </p:spPr>
+          </p:pic>
+          <p:pic>
+            <p:nvPicPr>
+              <p:cNvPr id="23" name="Chain Link" descr="A white object with a black background&#10;&#10;Description automatically generated with low confidence">
+                <a:extLst>
+                  <a:ext uri="{FF2B5EF4-FFF2-40B4-BE49-F238E27FC236}">
+                    <a16:creationId xmlns:a16="http://schemas.microsoft.com/office/drawing/2014/main" id="{F086BFA8-9421-E74E-043E-CF30936B823D}"/>
+                  </a:ext>
+                </a:extLst>
+              </p:cNvPr>
+              <p:cNvPicPr>
+                <a:picLocks noChangeAspect="1"/>
+              </p:cNvPicPr>
+              <p:nvPr userDrawn="1"/>
+            </p:nvPicPr>
+            <p:blipFill>
+              <a:blip r:embed="rId5"/>
+              <a:stretch>
+                <a:fillRect/>
+              </a:stretch>
+            </p:blipFill>
+            <p:spPr>
+              <a:xfrm>
+                <a:off x="10203873" y="2673519"/>
+                <a:ext cx="540000" cy="540000"/>
+              </a:xfrm>
+              <a:prstGeom prst="rect">
+                <a:avLst/>
+              </a:prstGeom>
+            </p:spPr>
+          </p:pic>
+          <p:pic>
+            <p:nvPicPr>
+              <p:cNvPr id="24" name="Chain Link" descr="A white object with a black background&#10;&#10;Description automatically generated with low confidence">
+                <a:extLst>
+                  <a:ext uri="{FF2B5EF4-FFF2-40B4-BE49-F238E27FC236}">
+                    <a16:creationId xmlns:a16="http://schemas.microsoft.com/office/drawing/2014/main" id="{5E7E6570-D5A2-1F9C-B0CB-F52EA37FC332}"/>
+                  </a:ext>
+                </a:extLst>
+              </p:cNvPr>
+              <p:cNvPicPr>
+                <a:picLocks noChangeAspect="1"/>
+              </p:cNvPicPr>
+              <p:nvPr userDrawn="1"/>
+            </p:nvPicPr>
+            <p:blipFill>
+              <a:blip r:embed="rId5"/>
+              <a:stretch>
+                <a:fillRect/>
+              </a:stretch>
+            </p:blipFill>
+            <p:spPr>
+              <a:xfrm>
+                <a:off x="10203873" y="2385700"/>
+                <a:ext cx="540000" cy="540000"/>
+              </a:xfrm>
+              <a:prstGeom prst="rect">
+                <a:avLst/>
+              </a:prstGeom>
+            </p:spPr>
+          </p:pic>
+        </p:grpSp>
+        <p:grpSp>
+          <p:nvGrpSpPr>
+            <p:cNvPr id="11" name="Chain">
+              <a:extLst>
+                <a:ext uri="{FF2B5EF4-FFF2-40B4-BE49-F238E27FC236}">
+                  <a16:creationId xmlns:a16="http://schemas.microsoft.com/office/drawing/2014/main" id="{A802F17F-86AB-D5F7-BF80-4257574474D2}"/>
+                </a:ext>
+              </a:extLst>
+            </p:cNvPr>
+            <p:cNvGrpSpPr/>
+            <p:nvPr userDrawn="1"/>
+          </p:nvGrpSpPr>
+          <p:grpSpPr>
+            <a:xfrm>
+              <a:off x="849000" y="2585971"/>
+              <a:ext cx="540000" cy="1943457"/>
+              <a:chOff x="10203873" y="2385700"/>
+              <a:chExt cx="540000" cy="1943457"/>
+            </a:xfrm>
+          </p:grpSpPr>
+          <p:pic>
+            <p:nvPicPr>
+              <p:cNvPr id="13" name="Chain Link" descr="A white object with a black background&#10;&#10;Description automatically generated with low confidence">
+                <a:extLst>
+                  <a:ext uri="{FF2B5EF4-FFF2-40B4-BE49-F238E27FC236}">
+                    <a16:creationId xmlns:a16="http://schemas.microsoft.com/office/drawing/2014/main" id="{8EDA73CC-373F-E4D3-2774-2F3DCCA048A6}"/>
+                  </a:ext>
+                </a:extLst>
+              </p:cNvPr>
+              <p:cNvPicPr>
+                <a:picLocks noChangeAspect="1"/>
+              </p:cNvPicPr>
+              <p:nvPr userDrawn="1"/>
+            </p:nvPicPr>
+            <p:blipFill>
+              <a:blip r:embed="rId5"/>
+              <a:stretch>
+                <a:fillRect/>
+              </a:stretch>
+            </p:blipFill>
+            <p:spPr>
+              <a:xfrm>
+                <a:off x="10203873" y="3789157"/>
+                <a:ext cx="540000" cy="540000"/>
+              </a:xfrm>
+              <a:prstGeom prst="rect">
+                <a:avLst/>
+              </a:prstGeom>
+            </p:spPr>
+          </p:pic>
+          <p:pic>
+            <p:nvPicPr>
+              <p:cNvPr id="14" name="Chain Link" descr="A white object with a black background&#10;&#10;Description automatically generated with low confidence">
+                <a:extLst>
+                  <a:ext uri="{FF2B5EF4-FFF2-40B4-BE49-F238E27FC236}">
+                    <a16:creationId xmlns:a16="http://schemas.microsoft.com/office/drawing/2014/main" id="{954B233C-C3BD-6CD7-4B13-5802C6A0155F}"/>
+                  </a:ext>
+                </a:extLst>
+              </p:cNvPr>
+              <p:cNvPicPr>
+                <a:picLocks noChangeAspect="1"/>
+              </p:cNvPicPr>
+              <p:nvPr userDrawn="1"/>
+            </p:nvPicPr>
+            <p:blipFill>
+              <a:blip r:embed="rId5"/>
+              <a:stretch>
+                <a:fillRect/>
+              </a:stretch>
+            </p:blipFill>
+            <p:spPr>
+              <a:xfrm>
+                <a:off x="10203873" y="3501338"/>
+                <a:ext cx="540000" cy="540000"/>
+              </a:xfrm>
+              <a:prstGeom prst="rect">
+                <a:avLst/>
+              </a:prstGeom>
+            </p:spPr>
+          </p:pic>
+          <p:pic>
+            <p:nvPicPr>
+              <p:cNvPr id="15" name="Chain Link" descr="A white object with a black background&#10;&#10;Description automatically generated with low confidence">
+                <a:extLst>
+                  <a:ext uri="{FF2B5EF4-FFF2-40B4-BE49-F238E27FC236}">
+                    <a16:creationId xmlns:a16="http://schemas.microsoft.com/office/drawing/2014/main" id="{DE11C275-B67B-D946-E727-5623938E62FA}"/>
+                  </a:ext>
+                </a:extLst>
+              </p:cNvPr>
+              <p:cNvPicPr>
+                <a:picLocks noChangeAspect="1"/>
+              </p:cNvPicPr>
+              <p:nvPr userDrawn="1"/>
+            </p:nvPicPr>
+            <p:blipFill>
+              <a:blip r:embed="rId5"/>
+              <a:stretch>
+                <a:fillRect/>
+              </a:stretch>
+            </p:blipFill>
+            <p:spPr>
+              <a:xfrm>
+                <a:off x="10203873" y="3231338"/>
+                <a:ext cx="540000" cy="540000"/>
+              </a:xfrm>
+              <a:prstGeom prst="rect">
+                <a:avLst/>
+              </a:prstGeom>
+            </p:spPr>
+          </p:pic>
+          <p:pic>
+            <p:nvPicPr>
+              <p:cNvPr id="16" name="Chain Link" descr="A white object with a black background&#10;&#10;Description automatically generated with low confidence">
+                <a:extLst>
+                  <a:ext uri="{FF2B5EF4-FFF2-40B4-BE49-F238E27FC236}">
+                    <a16:creationId xmlns:a16="http://schemas.microsoft.com/office/drawing/2014/main" id="{44F4949C-E2D1-9DD7-2E4F-7FA0C3EA6426}"/>
+                  </a:ext>
+                </a:extLst>
+              </p:cNvPr>
+              <p:cNvPicPr>
+                <a:picLocks noChangeAspect="1"/>
+              </p:cNvPicPr>
+              <p:nvPr userDrawn="1"/>
+            </p:nvPicPr>
+            <p:blipFill>
+              <a:blip r:embed="rId5"/>
+              <a:stretch>
+                <a:fillRect/>
+              </a:stretch>
+            </p:blipFill>
+            <p:spPr>
+              <a:xfrm>
+                <a:off x="10203873" y="2943519"/>
+                <a:ext cx="540000" cy="540000"/>
+              </a:xfrm>
+              <a:prstGeom prst="rect">
+                <a:avLst/>
+              </a:prstGeom>
+            </p:spPr>
+          </p:pic>
+          <p:pic>
+            <p:nvPicPr>
+              <p:cNvPr id="17" name="Chain Link" descr="A white object with a black background&#10;&#10;Description automatically generated with low confidence">
+                <a:extLst>
+                  <a:ext uri="{FF2B5EF4-FFF2-40B4-BE49-F238E27FC236}">
+                    <a16:creationId xmlns:a16="http://schemas.microsoft.com/office/drawing/2014/main" id="{4372C164-0349-A1C3-2814-0D97769FA228}"/>
+                  </a:ext>
+                </a:extLst>
+              </p:cNvPr>
+              <p:cNvPicPr>
+                <a:picLocks noChangeAspect="1"/>
+              </p:cNvPicPr>
+              <p:nvPr userDrawn="1"/>
+            </p:nvPicPr>
+            <p:blipFill>
+              <a:blip r:embed="rId5"/>
+              <a:stretch>
+                <a:fillRect/>
+              </a:stretch>
+            </p:blipFill>
+            <p:spPr>
+              <a:xfrm>
+                <a:off x="10203873" y="2673519"/>
+                <a:ext cx="540000" cy="540000"/>
+              </a:xfrm>
+              <a:prstGeom prst="rect">
+                <a:avLst/>
+              </a:prstGeom>
+            </p:spPr>
+          </p:pic>
+          <p:pic>
+            <p:nvPicPr>
+              <p:cNvPr id="18" name="Chain Link" descr="A white object with a black background&#10;&#10;Description automatically generated with low confidence">
+                <a:extLst>
+                  <a:ext uri="{FF2B5EF4-FFF2-40B4-BE49-F238E27FC236}">
+                    <a16:creationId xmlns:a16="http://schemas.microsoft.com/office/drawing/2014/main" id="{B3EFE7EB-91CD-DAD4-ADF5-444EE16E0D0D}"/>
+                  </a:ext>
+                </a:extLst>
+              </p:cNvPr>
+              <p:cNvPicPr>
+                <a:picLocks noChangeAspect="1"/>
+              </p:cNvPicPr>
+              <p:nvPr userDrawn="1"/>
+            </p:nvPicPr>
+            <p:blipFill>
+              <a:blip r:embed="rId5"/>
+              <a:stretch>
+                <a:fillRect/>
+              </a:stretch>
+            </p:blipFill>
+            <p:spPr>
+              <a:xfrm>
+                <a:off x="10203873" y="2385700"/>
+                <a:ext cx="540000" cy="540000"/>
+              </a:xfrm>
+              <a:prstGeom prst="rect">
+                <a:avLst/>
+              </a:prstGeom>
+            </p:spPr>
+          </p:pic>
+        </p:grpSp>
+        <p:pic>
+          <p:nvPicPr>
+            <p:cNvPr id="12" name="Stripy Platform">
+              <a:extLst>
+                <a:ext uri="{FF2B5EF4-FFF2-40B4-BE49-F238E27FC236}">
+                  <a16:creationId xmlns:a16="http://schemas.microsoft.com/office/drawing/2014/main" id="{2C2F22FA-E547-DEDE-15EE-745AE05B611B}"/>
+                </a:ext>
+                <a:ext uri="{C183D7F6-B498-43B3-948B-1728B52AA6E4}">
+                  <adec:decorative xmlns:adec="http://schemas.microsoft.com/office/drawing/2017/decorative" val="1"/>
+                </a:ext>
+              </a:extLst>
+            </p:cNvPr>
+            <p:cNvPicPr>
+              <a:picLocks noChangeAspect="1"/>
+            </p:cNvPicPr>
+            <p:nvPr userDrawn="1"/>
+          </p:nvPicPr>
+          <p:blipFill>
+            <a:blip r:embed="rId6"/>
+            <a:stretch>
+              <a:fillRect/>
+            </a:stretch>
+          </p:blipFill>
+          <p:spPr>
+            <a:xfrm>
+              <a:off x="838200" y="3632400"/>
+              <a:ext cx="1620000" cy="1620000"/>
+            </a:xfrm>
+            <a:prstGeom prst="rect">
+              <a:avLst/>
+            </a:prstGeom>
+          </p:spPr>
+        </p:pic>
+      </p:grpSp>
+      <p:grpSp>
+        <p:nvGrpSpPr>
+          <p:cNvPr id="25" name="Platform">
+            <a:extLst>
+              <a:ext uri="{FF2B5EF4-FFF2-40B4-BE49-F238E27FC236}">
+                <a16:creationId xmlns:a16="http://schemas.microsoft.com/office/drawing/2014/main" id="{92778DA1-8E21-3A25-57B7-B776476A50AA}"/>
+              </a:ext>
+            </a:extLst>
+          </p:cNvPr>
+          <p:cNvGrpSpPr/>
+          <p:nvPr/>
+        </p:nvGrpSpPr>
+        <p:grpSpPr>
+          <a:xfrm>
+            <a:off x="2519774" y="4746084"/>
+            <a:ext cx="3652426" cy="367992"/>
+            <a:chOff x="1760569" y="3510867"/>
+            <a:chExt cx="3652426" cy="367992"/>
+          </a:xfrm>
+        </p:grpSpPr>
+        <p:pic>
+          <p:nvPicPr>
+            <p:cNvPr id="26" name="Platform R">
+              <a:extLst>
+                <a:ext uri="{FF2B5EF4-FFF2-40B4-BE49-F238E27FC236}">
+                  <a16:creationId xmlns:a16="http://schemas.microsoft.com/office/drawing/2014/main" id="{362FC51E-538D-0B14-E03D-A8DCE8D3615E}"/>
+                </a:ext>
+                <a:ext uri="{C183D7F6-B498-43B3-948B-1728B52AA6E4}">
+                  <adec:decorative xmlns:adec="http://schemas.microsoft.com/office/drawing/2017/decorative" val="1"/>
+                </a:ext>
+              </a:extLst>
+            </p:cNvPr>
+            <p:cNvPicPr>
+              <a:picLocks noChangeAspect="1"/>
+            </p:cNvPicPr>
+            <p:nvPr userDrawn="1"/>
+          </p:nvPicPr>
+          <p:blipFill>
+            <a:blip r:embed="rId7"/>
+            <a:stretch>
+              <a:fillRect/>
+            </a:stretch>
+          </p:blipFill>
+          <p:spPr>
+            <a:xfrm>
+              <a:off x="5049395" y="3510867"/>
+              <a:ext cx="363600" cy="363600"/>
+            </a:xfrm>
+            <a:prstGeom prst="rect">
+              <a:avLst/>
+            </a:prstGeom>
+          </p:spPr>
+        </p:pic>
+        <p:sp>
+          <p:nvSpPr>
+            <p:cNvPr id="27" name="Platform Mid">
+              <a:extLst>
+                <a:ext uri="{FF2B5EF4-FFF2-40B4-BE49-F238E27FC236}">
+                  <a16:creationId xmlns:a16="http://schemas.microsoft.com/office/drawing/2014/main" id="{08C35A31-4461-130C-442D-CB9D0CFA4940}"/>
+                </a:ext>
+              </a:extLst>
+            </p:cNvPr>
+            <p:cNvSpPr/>
+            <p:nvPr userDrawn="1"/>
+          </p:nvSpPr>
+          <p:spPr>
+            <a:xfrm>
+              <a:off x="2124169" y="3510867"/>
+              <a:ext cx="2925226" cy="367992"/>
+            </a:xfrm>
+            <a:prstGeom prst="rect">
+              <a:avLst/>
+            </a:prstGeom>
+            <a:blipFill dpi="0" rotWithShape="1">
+              <a:blip r:embed="rId8"/>
+              <a:srcRect/>
+              <a:tile tx="0" ty="0" sx="30000" sy="30000" flip="none" algn="tl"/>
+            </a:blipFill>
+            <a:ln>
+              <a:noFill/>
+            </a:ln>
+          </p:spPr>
+          <p:style>
+            <a:lnRef idx="2">
+              <a:schemeClr val="accent1">
+                <a:shade val="15000"/>
+              </a:schemeClr>
+            </a:lnRef>
+            <a:fillRef idx="1">
+              <a:schemeClr val="accent1"/>
+            </a:fillRef>
+            <a:effectRef idx="0">
+              <a:schemeClr val="accent1"/>
+            </a:effectRef>
+            <a:fontRef idx="minor">
+              <a:schemeClr val="lt1"/>
+            </a:fontRef>
+          </p:style>
+          <p:txBody>
+            <a:bodyPr rtlCol="0" anchor="ctr"/>
+            <a:lstStyle/>
+            <a:p>
+              <a:pPr algn="ctr"/>
+              <a:endParaRPr lang="en-US" dirty="0"/>
+            </a:p>
+          </p:txBody>
+        </p:sp>
+        <p:pic>
+          <p:nvPicPr>
+            <p:cNvPr id="28" name="Platform L">
+              <a:extLst>
+                <a:ext uri="{FF2B5EF4-FFF2-40B4-BE49-F238E27FC236}">
+                  <a16:creationId xmlns:a16="http://schemas.microsoft.com/office/drawing/2014/main" id="{BAD0FDC0-5B55-98B8-F763-6CEA3B34A28A}"/>
+                </a:ext>
+                <a:ext uri="{C183D7F6-B498-43B3-948B-1728B52AA6E4}">
+                  <adec:decorative xmlns:adec="http://schemas.microsoft.com/office/drawing/2017/decorative" val="1"/>
+                </a:ext>
+              </a:extLst>
+            </p:cNvPr>
+            <p:cNvPicPr>
+              <a:picLocks noChangeAspect="1"/>
+            </p:cNvPicPr>
+            <p:nvPr userDrawn="1"/>
+          </p:nvPicPr>
+          <p:blipFill>
+            <a:blip r:embed="rId9"/>
+            <a:stretch>
+              <a:fillRect/>
+            </a:stretch>
+          </p:blipFill>
+          <p:spPr>
+            <a:xfrm>
+              <a:off x="1760569" y="3510867"/>
+              <a:ext cx="363600" cy="363600"/>
+            </a:xfrm>
+            <a:prstGeom prst="rect">
+              <a:avLst/>
+            </a:prstGeom>
+          </p:spPr>
+        </p:pic>
+      </p:grpSp>
+      <p:pic>
+        <p:nvPicPr>
+          <p:cNvPr id="29" name="Paint Cans">
+            <a:extLst>
+              <a:ext uri="{FF2B5EF4-FFF2-40B4-BE49-F238E27FC236}">
+                <a16:creationId xmlns:a16="http://schemas.microsoft.com/office/drawing/2014/main" id="{4C61449F-16B8-5917-09B3-D982E95CA4A8}"/>
+              </a:ext>
+              <a:ext uri="{C183D7F6-B498-43B3-948B-1728B52AA6E4}">
+                <adec:decorative xmlns:adec="http://schemas.microsoft.com/office/drawing/2017/decorative" val="1"/>
+              </a:ext>
+            </a:extLst>
+          </p:cNvPr>
+          <p:cNvPicPr>
+            <a:picLocks noChangeAspect="1"/>
+          </p:cNvPicPr>
+          <p:nvPr/>
+        </p:nvPicPr>
+        <p:blipFill>
+          <a:blip r:embed="rId10"/>
+          <a:stretch>
+            <a:fillRect/>
+          </a:stretch>
+        </p:blipFill>
+        <p:spPr>
+          <a:xfrm>
+            <a:off x="5351197" y="4164163"/>
+            <a:ext cx="720000" cy="720000"/>
+          </a:xfrm>
+          <a:prstGeom prst="rect">
+            <a:avLst/>
+          </a:prstGeom>
+        </p:spPr>
+      </p:pic>
+      <p:sp>
+        <p:nvSpPr>
+          <p:cNvPr id="2" name="Title 1">
+            <a:extLst>
+              <a:ext uri="{FF2B5EF4-FFF2-40B4-BE49-F238E27FC236}">
+                <a16:creationId xmlns:a16="http://schemas.microsoft.com/office/drawing/2014/main" id="{6D752E41-D235-5C0A-E144-5C6744A43066}"/>
+              </a:ext>
+            </a:extLst>
+          </p:cNvPr>
+          <p:cNvSpPr>
+            <a:spLocks noGrp="1"/>
+          </p:cNvSpPr>
+          <p:nvPr>
+            <p:ph type="title"/>
+          </p:nvPr>
+        </p:nvSpPr>
+        <p:spPr/>
+        <p:txBody>
+          <a:bodyPr/>
+          <a:lstStyle/>
+          <a:p>
+            <a:r>
+              <a:rPr lang="en-US" dirty="0"/>
+              <a:t>Management Team</a:t>
+            </a:r>
+          </a:p>
+        </p:txBody>
+      </p:sp>
+      <p:pic>
+        <p:nvPicPr>
+          <p:cNvPr id="43" name="Content Placeholder 42" descr="A cartoon of a person with a blue hat&#10;&#10;Description automatically generated with low confidence">
+            <a:extLst>
+              <a:ext uri="{FF2B5EF4-FFF2-40B4-BE49-F238E27FC236}">
+                <a16:creationId xmlns:a16="http://schemas.microsoft.com/office/drawing/2014/main" id="{11752212-DD1A-0331-46CB-A617D70BDB49}"/>
+              </a:ext>
+            </a:extLst>
+          </p:cNvPr>
+          <p:cNvPicPr>
+            <a:picLocks noGrp="1" noChangeAspect="1"/>
+          </p:cNvPicPr>
+          <p:nvPr>
+            <p:ph sz="half" idx="1"/>
+          </p:nvPr>
+        </p:nvPicPr>
+        <p:blipFill>
+          <a:blip r:embed="rId11"/>
+          <a:stretch>
+            <a:fillRect/>
+          </a:stretch>
+        </p:blipFill>
+        <p:spPr>
+          <a:xfrm>
+            <a:off x="905255" y="2179298"/>
+            <a:ext cx="2141354" cy="2141354"/>
+          </a:xfrm>
+        </p:spPr>
+      </p:pic>
+      <p:sp>
+        <p:nvSpPr>
+          <p:cNvPr id="4" name="Content Placeholder 3">
+            <a:extLst>
+              <a:ext uri="{FF2B5EF4-FFF2-40B4-BE49-F238E27FC236}">
+                <a16:creationId xmlns:a16="http://schemas.microsoft.com/office/drawing/2014/main" id="{DEED18BC-AFEA-59FE-4C01-74DD82073F67}"/>
+              </a:ext>
+            </a:extLst>
+          </p:cNvPr>
+          <p:cNvSpPr>
+            <a:spLocks noGrp="1"/>
+          </p:cNvSpPr>
+          <p:nvPr>
+            <p:ph sz="half" idx="2"/>
+          </p:nvPr>
+        </p:nvSpPr>
+        <p:spPr/>
+        <p:txBody>
+          <a:bodyPr/>
+          <a:lstStyle/>
+          <a:p>
+            <a:endParaRPr lang="en-US" dirty="0"/>
+          </a:p>
+        </p:txBody>
+      </p:sp>
+      <p:pic>
+        <p:nvPicPr>
+          <p:cNvPr id="30" name="Crate" descr="A picture containing text, sketch, screenshot, black&#10;&#10;Description automatically generated">
+            <a:extLst>
+              <a:ext uri="{FF2B5EF4-FFF2-40B4-BE49-F238E27FC236}">
+                <a16:creationId xmlns:a16="http://schemas.microsoft.com/office/drawing/2014/main" id="{B59E812D-1370-4986-8964-350C7F1AC3E3}"/>
+              </a:ext>
+            </a:extLst>
+          </p:cNvPr>
+          <p:cNvPicPr>
+            <a:picLocks noChangeAspect="1"/>
+          </p:cNvPicPr>
+          <p:nvPr/>
+        </p:nvPicPr>
+        <p:blipFill>
+          <a:blip r:embed="rId12">
+            <a:duotone>
+              <a:prstClr val="black"/>
+              <a:srgbClr val="FF0000">
+                <a:tint val="45000"/>
+                <a:satMod val="400000"/>
+              </a:srgbClr>
+            </a:duotone>
+            <a:extLst>
+              <a:ext uri="{BEBA8EAE-BF5A-486C-A8C5-ECC9F3942E4B}">
+                <a14:imgProps xmlns:a14="http://schemas.microsoft.com/office/drawing/2010/main">
+                  <a14:imgLayer r:embed="rId13">
+                    <a14:imgEffect>
+                      <a14:saturation sat="0"/>
+                    </a14:imgEffect>
+                  </a14:imgLayer>
+                </a14:imgProps>
+              </a:ext>
+            </a:extLst>
+          </a:blip>
+          <a:stretch>
+            <a:fillRect/>
+          </a:stretch>
+        </p:blipFill>
+        <p:spPr>
+          <a:xfrm>
+            <a:off x="716075" y="1686454"/>
+            <a:ext cx="2599376" cy="2599376"/>
+          </a:xfrm>
+          <a:prstGeom prst="rect">
+            <a:avLst/>
+          </a:prstGeom>
+        </p:spPr>
+      </p:pic>
+      <p:pic>
+        <p:nvPicPr>
+          <p:cNvPr id="31" name="Crate" descr="A picture containing text, sketch, black&#10;&#10;Description automatically generated">
+            <a:extLst>
+              <a:ext uri="{FF2B5EF4-FFF2-40B4-BE49-F238E27FC236}">
+                <a16:creationId xmlns:a16="http://schemas.microsoft.com/office/drawing/2014/main" id="{04670560-EB7B-D7F7-AE1C-117FEEA62B2E}"/>
+              </a:ext>
+            </a:extLst>
+          </p:cNvPr>
+          <p:cNvPicPr>
+            <a:picLocks noChangeAspect="1"/>
+          </p:cNvPicPr>
+          <p:nvPr/>
+        </p:nvPicPr>
+        <p:blipFill>
+          <a:blip r:embed="rId14">
+            <a:duotone>
+              <a:prstClr val="black"/>
+              <a:srgbClr val="FF00FF">
+                <a:tint val="45000"/>
+                <a:satMod val="400000"/>
+              </a:srgbClr>
+            </a:duotone>
+            <a:extLst>
+              <a:ext uri="{BEBA8EAE-BF5A-486C-A8C5-ECC9F3942E4B}">
+                <a14:imgProps xmlns:a14="http://schemas.microsoft.com/office/drawing/2010/main">
+                  <a14:imgLayer r:embed="rId15">
+                    <a14:imgEffect>
+                      <a14:saturation sat="0"/>
+                    </a14:imgEffect>
+                  </a14:imgLayer>
+                </a14:imgProps>
+              </a:ext>
+            </a:extLst>
+          </a:blip>
+          <a:stretch>
+            <a:fillRect/>
+          </a:stretch>
+        </p:blipFill>
+        <p:spPr>
+          <a:xfrm>
+            <a:off x="3499353" y="1645304"/>
+            <a:ext cx="2694426" cy="2694426"/>
+          </a:xfrm>
+          <a:prstGeom prst="rect">
+            <a:avLst/>
+          </a:prstGeom>
+        </p:spPr>
+      </p:pic>
+      <p:pic>
+        <p:nvPicPr>
+          <p:cNvPr id="32" name="Crate" descr="A picture containing sketch, symmetry, pattern, black&#10;&#10;Description automatically generated">
+            <a:extLst>
+              <a:ext uri="{FF2B5EF4-FFF2-40B4-BE49-F238E27FC236}">
+                <a16:creationId xmlns:a16="http://schemas.microsoft.com/office/drawing/2014/main" id="{0CF6B1E8-F52B-58B6-9981-217216F6BEF2}"/>
+              </a:ext>
+            </a:extLst>
+          </p:cNvPr>
+          <p:cNvPicPr>
+            <a:picLocks noChangeAspect="1"/>
+          </p:cNvPicPr>
+          <p:nvPr/>
+        </p:nvPicPr>
+        <p:blipFill>
+          <a:blip r:embed="rId16">
+            <a:duotone>
+              <a:prstClr val="black"/>
+              <a:srgbClr val="FF8600">
+                <a:tint val="45000"/>
+                <a:satMod val="400000"/>
+              </a:srgbClr>
+            </a:duotone>
+            <a:extLst>
+              <a:ext uri="{BEBA8EAE-BF5A-486C-A8C5-ECC9F3942E4B}">
+                <a14:imgProps xmlns:a14="http://schemas.microsoft.com/office/drawing/2010/main">
+                  <a14:imgLayer r:embed="rId17">
+                    <a14:imgEffect>
+                      <a14:saturation sat="0"/>
+                    </a14:imgEffect>
+                  </a14:imgLayer>
+                </a14:imgProps>
+              </a:ext>
+            </a:extLst>
+          </a:blip>
+          <a:stretch>
+            <a:fillRect/>
+          </a:stretch>
+        </p:blipFill>
+        <p:spPr>
+          <a:xfrm>
+            <a:off x="6208699" y="1638929"/>
+            <a:ext cx="2694426" cy="2694426"/>
+          </a:xfrm>
+          <a:prstGeom prst="rect">
+            <a:avLst/>
+          </a:prstGeom>
+        </p:spPr>
+      </p:pic>
+      <p:pic>
+        <p:nvPicPr>
+          <p:cNvPr id="33" name="Crate" descr="A picture containing text, sketch, screenshot, black&#10;&#10;Description automatically generated">
+            <a:extLst>
+              <a:ext uri="{FF2B5EF4-FFF2-40B4-BE49-F238E27FC236}">
+                <a16:creationId xmlns:a16="http://schemas.microsoft.com/office/drawing/2014/main" id="{48B35970-91D0-BA82-A453-FB9C070BCF5F}"/>
+              </a:ext>
+            </a:extLst>
+          </p:cNvPr>
+          <p:cNvPicPr>
+            <a:picLocks noChangeAspect="1"/>
+          </p:cNvPicPr>
+          <p:nvPr/>
+        </p:nvPicPr>
+        <p:blipFill>
+          <a:blip r:embed="rId12">
+            <a:duotone>
+              <a:prstClr val="black"/>
+              <a:srgbClr val="FF0000">
+                <a:tint val="45000"/>
+                <a:satMod val="400000"/>
+              </a:srgbClr>
+            </a:duotone>
+            <a:extLst>
+              <a:ext uri="{BEBA8EAE-BF5A-486C-A8C5-ECC9F3942E4B}">
+                <a14:imgProps xmlns:a14="http://schemas.microsoft.com/office/drawing/2010/main">
+                  <a14:imgLayer r:embed="rId13">
+                    <a14:imgEffect>
+                      <a14:saturation sat="0"/>
+                    </a14:imgEffect>
+                  </a14:imgLayer>
+                </a14:imgProps>
+              </a:ext>
+            </a:extLst>
+          </a:blip>
+          <a:stretch>
+            <a:fillRect/>
+          </a:stretch>
+        </p:blipFill>
+        <p:spPr>
+          <a:xfrm>
+            <a:off x="8970959" y="1733692"/>
+            <a:ext cx="2694426" cy="2599376"/>
+          </a:xfrm>
+          <a:prstGeom prst="rect">
+            <a:avLst/>
+          </a:prstGeom>
+        </p:spPr>
+      </p:pic>
+    </p:spTree>
+    <p:extLst>
+      <p:ext uri="{BB962C8B-B14F-4D97-AF65-F5344CB8AC3E}">
+        <p14:creationId xmlns:p14="http://schemas.microsoft.com/office/powerpoint/2010/main" val="2487332506"/>
+      </p:ext>
+    </p:extLst>
+  </p:cSld>
+  <p:clrMapOvr>
+    <a:masterClrMapping/>
+  </p:clrMapOvr>
+  <mc:AlternateContent xmlns:mc="http://schemas.openxmlformats.org/markup-compatibility/2006" xmlns:p159="http://schemas.microsoft.com/office/powerpoint/2015/09/main">
+    <mc:Choice Requires="p159">
+      <p:transition xmlns:p14="http://schemas.microsoft.com/office/powerpoint/2010/main" spd="slow" p14:dur="3000">
+        <p159:morph option="byObject"/>
+      </p:transition>
+    </mc:Choice>
+    <mc:Fallback xmlns="">
+      <p:transition spd="slow">
+        <p:fade/>
+      </p:transition>
+    </mc:Fallback>
+  </mc:AlternateContent>
+  <p:timing>
+    <p:tnLst>
+      <p:par>
+        <p:cTn id="1" dur="indefinite" restart="never" nodeType="tmRoot">
+          <p:childTnLst>
+            <p:seq concurrent="1" nextAc="seek">
+              <p:cTn id="2" dur="indefinite" nodeType="mainSeq">
+                <p:childTnLst>
+                  <p:par>
+                    <p:cTn id="3" fill="hold">
+                      <p:stCondLst>
+                        <p:cond delay="indefinite"/>
+                      </p:stCondLst>
+                      <p:childTnLst>
+                        <p:par>
+                          <p:cTn id="4" fill="hold">
+                            <p:stCondLst>
+                              <p:cond delay="0"/>
+                            </p:stCondLst>
+                            <p:childTnLst>
+                              <p:par>
+                                <p:cTn id="5" presetID="45" presetClass="exit" presetSubtype="0" fill="hold" nodeType="clickEffect">
+                                  <p:stCondLst>
+                                    <p:cond delay="0"/>
+                                  </p:stCondLst>
+                                  <p:childTnLst>
+                                    <p:animEffect transition="out" filter="fade">
+                                      <p:cBhvr>
+                                        <p:cTn id="6" dur="2000"/>
+                                        <p:tgtEl>
+                                          <p:spTgt spid="30"/>
+                                        </p:tgtEl>
+                                      </p:cBhvr>
+                                    </p:animEffect>
+                                    <p:anim calcmode="lin" valueType="num">
+                                      <p:cBhvr>
+                                        <p:cTn id="7" dur="2000"/>
+                                        <p:tgtEl>
+                                          <p:spTgt spid="30"/>
+                                        </p:tgtEl>
+                                        <p:attrNameLst>
+                                          <p:attrName>ppt_w</p:attrName>
+                                        </p:attrNameLst>
+                                      </p:cBhvr>
+                                      <p:tavLst>
+                                        <p:tav tm="0">
+                                          <p:val>
+                                            <p:strVal val="ppt_w"/>
+                                          </p:val>
+                                        </p:tav>
+                                        <p:tav tm="5000">
+                                          <p:val>
+                                            <p:strVal val="0.92*ppt_w"/>
+                                          </p:val>
+                                        </p:tav>
+                                        <p:tav tm="10000">
+                                          <p:val>
+                                            <p:strVal val="0.71*ppt_w"/>
+                                          </p:val>
+                                        </p:tav>
+                                        <p:tav tm="15000">
+                                          <p:val>
+                                            <p:strVal val="0.38*ppt_w"/>
+                                          </p:val>
+                                        </p:tav>
+                                        <p:tav tm="20000">
+                                          <p:val>
+                                            <p:fltVal val="0"/>
+                                          </p:val>
+                                        </p:tav>
+                                        <p:tav tm="25000">
+                                          <p:val>
+                                            <p:strVal val="-0.38*ppt_w"/>
+                                          </p:val>
+                                        </p:tav>
+                                        <p:tav tm="30000">
+                                          <p:val>
+                                            <p:strVal val="-0.71*ppt_w"/>
+                                          </p:val>
+                                        </p:tav>
+                                        <p:tav tm="35000">
+                                          <p:val>
+                                            <p:strVal val="-0.92*ppt_w"/>
+                                          </p:val>
+                                        </p:tav>
+                                        <p:tav tm="40000">
+                                          <p:val>
+                                            <p:strVal val="-ppt_w"/>
+                                          </p:val>
+                                        </p:tav>
+                                        <p:tav tm="45000">
+                                          <p:val>
+                                            <p:strVal val="-0.92*ppt_w"/>
+                                          </p:val>
+                                        </p:tav>
+                                        <p:tav tm="50000">
+                                          <p:val>
+                                            <p:strVal val="-0.71*ppt_w"/>
+                                          </p:val>
+                                        </p:tav>
+                                        <p:tav tm="55000">
+                                          <p:val>
+                                            <p:strVal val="-0.38*ppt_w"/>
+                                          </p:val>
+                                        </p:tav>
+                                        <p:tav tm="60000">
+                                          <p:val>
+                                            <p:fltVal val="0"/>
+                                          </p:val>
+                                        </p:tav>
+                                        <p:tav tm="65000">
+                                          <p:val>
+                                            <p:strVal val="0.38*ppt_w"/>
+                                          </p:val>
+                                        </p:tav>
+                                        <p:tav tm="70000">
+                                          <p:val>
+                                            <p:strVal val="0.71*ppt_w"/>
+                                          </p:val>
+                                        </p:tav>
+                                        <p:tav tm="75000">
+                                          <p:val>
+                                            <p:strVal val="0.92*ppt_w"/>
+                                          </p:val>
+                                        </p:tav>
+                                        <p:tav tm="80000">
+                                          <p:val>
+                                            <p:strVal val="ppt_w"/>
+                                          </p:val>
+                                        </p:tav>
+                                        <p:tav tm="85000">
+                                          <p:val>
+                                            <p:strVal val="0.92*ppt_w"/>
+                                          </p:val>
+                                        </p:tav>
+                                        <p:tav tm="90000">
+                                          <p:val>
+                                            <p:strVal val="0.71*ppt_w"/>
+                                          </p:val>
+                                        </p:tav>
+                                        <p:tav tm="95000">
+                                          <p:val>
+                                            <p:strVal val="0.38*ppt_w"/>
+                                          </p:val>
+                                        </p:tav>
+                                        <p:tav tm="100000">
+                                          <p:val>
+                                            <p:fltVal val="0"/>
+                                          </p:val>
+                                        </p:tav>
+                                      </p:tavLst>
+                                    </p:anim>
+                                    <p:anim calcmode="lin" valueType="num">
+                                      <p:cBhvr>
+                                        <p:cTn id="8" dur="2000"/>
+                                        <p:tgtEl>
+                                          <p:spTgt spid="30"/>
+                                        </p:tgtEl>
+                                        <p:attrNameLst>
+                                          <p:attrName>ppt_h</p:attrName>
+                                        </p:attrNameLst>
+                                      </p:cBhvr>
+                                      <p:tavLst>
+                                        <p:tav tm="0">
+                                          <p:val>
+                                            <p:strVal val="ppt_h"/>
+                                          </p:val>
+                                        </p:tav>
+                                        <p:tav tm="100000">
+                                          <p:val>
+                                            <p:strVal val="ppt_h"/>
+                                          </p:val>
+                                        </p:tav>
+                                      </p:tavLst>
+                                    </p:anim>
+                                    <p:set>
+                                      <p:cBhvr>
+                                        <p:cTn id="9" dur="1" fill="hold">
+                                          <p:stCondLst>
+                                            <p:cond delay="1999"/>
+                                          </p:stCondLst>
+                                        </p:cTn>
+                                        <p:tgtEl>
+                                          <p:spTgt spid="30"/>
+                                        </p:tgtEl>
+                                        <p:attrNameLst>
+                                          <p:attrName>style.visibility</p:attrName>
+                                        </p:attrNameLst>
+                                      </p:cBhvr>
+                                      <p:to>
+                                        <p:strVal val="hidden"/>
+                                      </p:to>
+                                    </p:set>
+                                  </p:childTnLst>
+                                </p:cTn>
+                              </p:par>
+                              <p:par>
+                                <p:cTn id="10" presetID="45" presetClass="entr" presetSubtype="0" fill="hold" nodeType="withEffect">
+                                  <p:stCondLst>
+                                    <p:cond delay="1500"/>
+                                  </p:stCondLst>
+                                  <p:childTnLst>
+                                    <p:set>
+                                      <p:cBhvr>
+                                        <p:cTn id="11" dur="1" fill="hold">
+                                          <p:stCondLst>
+                                            <p:cond delay="0"/>
+                                          </p:stCondLst>
+                                        </p:cTn>
+                                        <p:tgtEl>
+                                          <p:spTgt spid="43"/>
+                                        </p:tgtEl>
+                                        <p:attrNameLst>
+                                          <p:attrName>style.visibility</p:attrName>
+                                        </p:attrNameLst>
+                                      </p:cBhvr>
+                                      <p:to>
+                                        <p:strVal val="visible"/>
+                                      </p:to>
+                                    </p:set>
+                                    <p:animEffect transition="in" filter="fade">
+                                      <p:cBhvr>
+                                        <p:cTn id="12" dur="2000"/>
+                                        <p:tgtEl>
+                                          <p:spTgt spid="43"/>
+                                        </p:tgtEl>
+                                      </p:cBhvr>
+                                    </p:animEffect>
+                                    <p:anim calcmode="lin" valueType="num">
+                                      <p:cBhvr>
+                                        <p:cTn id="13" dur="2000" fill="hold"/>
+                                        <p:tgtEl>
+                                          <p:spTgt spid="43"/>
+                                        </p:tgtEl>
+                                        <p:attrNameLst>
+                                          <p:attrName>ppt_w</p:attrName>
+                                        </p:attrNameLst>
+                                      </p:cBhvr>
+                                      <p:tavLst>
+                                        <p:tav tm="0" fmla="#ppt_w*sin(2.5*pi*$)">
+                                          <p:val>
+                                            <p:fltVal val="0"/>
+                                          </p:val>
+                                        </p:tav>
+                                        <p:tav tm="100000">
+                                          <p:val>
+                                            <p:fltVal val="1"/>
+                                          </p:val>
+                                        </p:tav>
+                                      </p:tavLst>
+                                    </p:anim>
+                                    <p:anim calcmode="lin" valueType="num">
+                                      <p:cBhvr>
+                                        <p:cTn id="14" dur="2000" fill="hold"/>
+                                        <p:tgtEl>
+                                          <p:spTgt spid="43"/>
+                                        </p:tgtEl>
+                                        <p:attrNameLst>
+                                          <p:attrName>ppt_h</p:attrName>
+                                        </p:attrNameLst>
+                                      </p:cBhvr>
+                                      <p:tavLst>
+                                        <p:tav tm="0">
+                                          <p:val>
+                                            <p:strVal val="#ppt_h"/>
+                                          </p:val>
+                                        </p:tav>
+                                        <p:tav tm="100000">
+                                          <p:val>
+                                            <p:strVal val="#ppt_h"/>
+                                          </p:val>
+                                        </p:tav>
+                                      </p:tavLst>
+                                    </p:anim>
+                                  </p:childTnLst>
+                                </p:cTn>
+                              </p:par>
+                            </p:childTnLst>
+                          </p:cTn>
+                        </p:par>
+                      </p:childTnLst>
+                    </p:cTn>
+                  </p:par>
+                  <p:par>
+                    <p:cTn id="15" fill="hold">
+                      <p:stCondLst>
+                        <p:cond delay="indefinite"/>
+                      </p:stCondLst>
+                      <p:childTnLst>
+                        <p:par>
+                          <p:cTn id="16" fill="hold">
+                            <p:stCondLst>
+                              <p:cond delay="0"/>
+                            </p:stCondLst>
+                            <p:childTnLst>
+                              <p:par>
+                                <p:cTn id="17" presetID="45" presetClass="exit" presetSubtype="0" fill="hold" nodeType="clickEffect">
+                                  <p:stCondLst>
+                                    <p:cond delay="0"/>
+                                  </p:stCondLst>
+                                  <p:childTnLst>
+                                    <p:animEffect transition="out" filter="fade">
+                                      <p:cBhvr>
+                                        <p:cTn id="18" dur="2000"/>
+                                        <p:tgtEl>
+                                          <p:spTgt spid="31"/>
+                                        </p:tgtEl>
+                                      </p:cBhvr>
+                                    </p:animEffect>
+                                    <p:anim calcmode="lin" valueType="num">
+                                      <p:cBhvr>
+                                        <p:cTn id="19" dur="2000"/>
+                                        <p:tgtEl>
+                                          <p:spTgt spid="31"/>
+                                        </p:tgtEl>
+                                        <p:attrNameLst>
+                                          <p:attrName>ppt_w</p:attrName>
+                                        </p:attrNameLst>
+                                      </p:cBhvr>
+                                      <p:tavLst>
+                                        <p:tav tm="0">
+                                          <p:val>
+                                            <p:strVal val="ppt_w"/>
+                                          </p:val>
+                                        </p:tav>
+                                        <p:tav tm="5000">
+                                          <p:val>
+                                            <p:strVal val="0.92*ppt_w"/>
+                                          </p:val>
+                                        </p:tav>
+                                        <p:tav tm="10000">
+                                          <p:val>
+                                            <p:strVal val="0.71*ppt_w"/>
+                                          </p:val>
+                                        </p:tav>
+                                        <p:tav tm="15000">
+                                          <p:val>
+                                            <p:strVal val="0.38*ppt_w"/>
+                                          </p:val>
+                                        </p:tav>
+                                        <p:tav tm="20000">
+                                          <p:val>
+                                            <p:fltVal val="0"/>
+                                          </p:val>
+                                        </p:tav>
+                                        <p:tav tm="25000">
+                                          <p:val>
+                                            <p:strVal val="-0.38*ppt_w"/>
+                                          </p:val>
+                                        </p:tav>
+                                        <p:tav tm="30000">
+                                          <p:val>
+                                            <p:strVal val="-0.71*ppt_w"/>
+                                          </p:val>
+                                        </p:tav>
+                                        <p:tav tm="35000">
+                                          <p:val>
+                                            <p:strVal val="-0.92*ppt_w"/>
+                                          </p:val>
+                                        </p:tav>
+                                        <p:tav tm="40000">
+                                          <p:val>
+                                            <p:strVal val="-ppt_w"/>
+                                          </p:val>
+                                        </p:tav>
+                                        <p:tav tm="45000">
+                                          <p:val>
+                                            <p:strVal val="-0.92*ppt_w"/>
+                                          </p:val>
+                                        </p:tav>
+                                        <p:tav tm="50000">
+                                          <p:val>
+                                            <p:strVal val="-0.71*ppt_w"/>
+                                          </p:val>
+                                        </p:tav>
+                                        <p:tav tm="55000">
+                                          <p:val>
+                                            <p:strVal val="-0.38*ppt_w"/>
+                                          </p:val>
+                                        </p:tav>
+                                        <p:tav tm="60000">
+                                          <p:val>
+                                            <p:fltVal val="0"/>
+                                          </p:val>
+                                        </p:tav>
+                                        <p:tav tm="65000">
+                                          <p:val>
+                                            <p:strVal val="0.38*ppt_w"/>
+                                          </p:val>
+                                        </p:tav>
+                                        <p:tav tm="70000">
+                                          <p:val>
+                                            <p:strVal val="0.71*ppt_w"/>
+                                          </p:val>
+                                        </p:tav>
+                                        <p:tav tm="75000">
+                                          <p:val>
+                                            <p:strVal val="0.92*ppt_w"/>
+                                          </p:val>
+                                        </p:tav>
+                                        <p:tav tm="80000">
+                                          <p:val>
+                                            <p:strVal val="ppt_w"/>
+                                          </p:val>
+                                        </p:tav>
+                                        <p:tav tm="85000">
+                                          <p:val>
+                                            <p:strVal val="0.92*ppt_w"/>
+                                          </p:val>
+                                        </p:tav>
+                                        <p:tav tm="90000">
+                                          <p:val>
+                                            <p:strVal val="0.71*ppt_w"/>
+                                          </p:val>
+                                        </p:tav>
+                                        <p:tav tm="95000">
+                                          <p:val>
+                                            <p:strVal val="0.38*ppt_w"/>
+                                          </p:val>
+                                        </p:tav>
+                                        <p:tav tm="100000">
+                                          <p:val>
+                                            <p:fltVal val="0"/>
+                                          </p:val>
+                                        </p:tav>
+                                      </p:tavLst>
+                                    </p:anim>
+                                    <p:anim calcmode="lin" valueType="num">
+                                      <p:cBhvr>
+                                        <p:cTn id="20" dur="2000"/>
+                                        <p:tgtEl>
+                                          <p:spTgt spid="31"/>
+                                        </p:tgtEl>
+                                        <p:attrNameLst>
+                                          <p:attrName>ppt_h</p:attrName>
+                                        </p:attrNameLst>
+                                      </p:cBhvr>
+                                      <p:tavLst>
+                                        <p:tav tm="0">
+                                          <p:val>
+                                            <p:strVal val="ppt_h"/>
+                                          </p:val>
+                                        </p:tav>
+                                        <p:tav tm="100000">
+                                          <p:val>
+                                            <p:strVal val="ppt_h"/>
+                                          </p:val>
+                                        </p:tav>
+                                      </p:tavLst>
+                                    </p:anim>
+                                    <p:set>
+                                      <p:cBhvr>
+                                        <p:cTn id="21" dur="1" fill="hold">
+                                          <p:stCondLst>
+                                            <p:cond delay="1999"/>
+                                          </p:stCondLst>
+                                        </p:cTn>
+                                        <p:tgtEl>
+                                          <p:spTgt spid="31"/>
+                                        </p:tgtEl>
+                                        <p:attrNameLst>
+                                          <p:attrName>style.visibility</p:attrName>
+                                        </p:attrNameLst>
+                                      </p:cBhvr>
+                                      <p:to>
+                                        <p:strVal val="hidden"/>
+                                      </p:to>
+                                    </p:set>
+                                  </p:childTnLst>
+                                </p:cTn>
+                              </p:par>
+                            </p:childTnLst>
+                          </p:cTn>
+                        </p:par>
+                      </p:childTnLst>
+                    </p:cTn>
+                  </p:par>
+                  <p:par>
+                    <p:cTn id="22" fill="hold">
+                      <p:stCondLst>
+                        <p:cond delay="indefinite"/>
+                      </p:stCondLst>
+                      <p:childTnLst>
+                        <p:par>
+                          <p:cTn id="23" fill="hold">
+                            <p:stCondLst>
+                              <p:cond delay="0"/>
+                            </p:stCondLst>
+                            <p:childTnLst>
+                              <p:par>
+                                <p:cTn id="24" presetID="45" presetClass="exit" presetSubtype="0" fill="hold" nodeType="clickEffect">
+                                  <p:stCondLst>
+                                    <p:cond delay="0"/>
+                                  </p:stCondLst>
+                                  <p:childTnLst>
+                                    <p:animEffect transition="out" filter="fade">
+                                      <p:cBhvr>
+                                        <p:cTn id="25" dur="2000"/>
+                                        <p:tgtEl>
+                                          <p:spTgt spid="32"/>
+                                        </p:tgtEl>
+                                      </p:cBhvr>
+                                    </p:animEffect>
+                                    <p:anim calcmode="lin" valueType="num">
+                                      <p:cBhvr>
+                                        <p:cTn id="26" dur="2000"/>
+                                        <p:tgtEl>
+                                          <p:spTgt spid="32"/>
+                                        </p:tgtEl>
+                                        <p:attrNameLst>
+                                          <p:attrName>ppt_w</p:attrName>
+                                        </p:attrNameLst>
+                                      </p:cBhvr>
+                                      <p:tavLst>
+                                        <p:tav tm="0">
+                                          <p:val>
+                                            <p:strVal val="ppt_w"/>
+                                          </p:val>
+                                        </p:tav>
+                                        <p:tav tm="5000">
+                                          <p:val>
+                                            <p:strVal val="0.92*ppt_w"/>
+                                          </p:val>
+                                        </p:tav>
+                                        <p:tav tm="10000">
+                                          <p:val>
+                                            <p:strVal val="0.71*ppt_w"/>
+                                          </p:val>
+                                        </p:tav>
+                                        <p:tav tm="15000">
+                                          <p:val>
+                                            <p:strVal val="0.38*ppt_w"/>
+                                          </p:val>
+                                        </p:tav>
+                                        <p:tav tm="20000">
+                                          <p:val>
+                                            <p:fltVal val="0"/>
+                                          </p:val>
+                                        </p:tav>
+                                        <p:tav tm="25000">
+                                          <p:val>
+                                            <p:strVal val="-0.38*ppt_w"/>
+                                          </p:val>
+                                        </p:tav>
+                                        <p:tav tm="30000">
+                                          <p:val>
+                                            <p:strVal val="-0.71*ppt_w"/>
+                                          </p:val>
+                                        </p:tav>
+                                        <p:tav tm="35000">
+                                          <p:val>
+                                            <p:strVal val="-0.92*ppt_w"/>
+                                          </p:val>
+                                        </p:tav>
+                                        <p:tav tm="40000">
+                                          <p:val>
+                                            <p:strVal val="-ppt_w"/>
+                                          </p:val>
+                                        </p:tav>
+                                        <p:tav tm="45000">
+                                          <p:val>
+                                            <p:strVal val="-0.92*ppt_w"/>
+                                          </p:val>
+                                        </p:tav>
+                                        <p:tav tm="50000">
+                                          <p:val>
+                                            <p:strVal val="-0.71*ppt_w"/>
+                                          </p:val>
+                                        </p:tav>
+                                        <p:tav tm="55000">
+                                          <p:val>
+                                            <p:strVal val="-0.38*ppt_w"/>
+                                          </p:val>
+                                        </p:tav>
+                                        <p:tav tm="60000">
+                                          <p:val>
+                                            <p:fltVal val="0"/>
+                                          </p:val>
+                                        </p:tav>
+                                        <p:tav tm="65000">
+                                          <p:val>
+                                            <p:strVal val="0.38*ppt_w"/>
+                                          </p:val>
+                                        </p:tav>
+                                        <p:tav tm="70000">
+                                          <p:val>
+                                            <p:strVal val="0.71*ppt_w"/>
+                                          </p:val>
+                                        </p:tav>
+                                        <p:tav tm="75000">
+                                          <p:val>
+                                            <p:strVal val="0.92*ppt_w"/>
+                                          </p:val>
+                                        </p:tav>
+                                        <p:tav tm="80000">
+                                          <p:val>
+                                            <p:strVal val="ppt_w"/>
+                                          </p:val>
+                                        </p:tav>
+                                        <p:tav tm="85000">
+                                          <p:val>
+                                            <p:strVal val="0.92*ppt_w"/>
+                                          </p:val>
+                                        </p:tav>
+                                        <p:tav tm="90000">
+                                          <p:val>
+                                            <p:strVal val="0.71*ppt_w"/>
+                                          </p:val>
+                                        </p:tav>
+                                        <p:tav tm="95000">
+                                          <p:val>
+                                            <p:strVal val="0.38*ppt_w"/>
+                                          </p:val>
+                                        </p:tav>
+                                        <p:tav tm="100000">
+                                          <p:val>
+                                            <p:fltVal val="0"/>
+                                          </p:val>
+                                        </p:tav>
+                                      </p:tavLst>
+                                    </p:anim>
+                                    <p:anim calcmode="lin" valueType="num">
+                                      <p:cBhvr>
+                                        <p:cTn id="27" dur="2000"/>
+                                        <p:tgtEl>
+                                          <p:spTgt spid="32"/>
+                                        </p:tgtEl>
+                                        <p:attrNameLst>
+                                          <p:attrName>ppt_h</p:attrName>
+                                        </p:attrNameLst>
+                                      </p:cBhvr>
+                                      <p:tavLst>
+                                        <p:tav tm="0">
+                                          <p:val>
+                                            <p:strVal val="ppt_h"/>
+                                          </p:val>
+                                        </p:tav>
+                                        <p:tav tm="100000">
+                                          <p:val>
+                                            <p:strVal val="ppt_h"/>
+                                          </p:val>
+                                        </p:tav>
+                                      </p:tavLst>
+                                    </p:anim>
+                                    <p:set>
+                                      <p:cBhvr>
+                                        <p:cTn id="28" dur="1" fill="hold">
+                                          <p:stCondLst>
+                                            <p:cond delay="1999"/>
+                                          </p:stCondLst>
+                                        </p:cTn>
+                                        <p:tgtEl>
+                                          <p:spTgt spid="32"/>
+                                        </p:tgtEl>
+                                        <p:attrNameLst>
+                                          <p:attrName>style.visibility</p:attrName>
+                                        </p:attrNameLst>
+                                      </p:cBhvr>
+                                      <p:to>
+                                        <p:strVal val="hidden"/>
+                                      </p:to>
+                                    </p:set>
+                                  </p:childTnLst>
+                                </p:cTn>
+                              </p:par>
+                            </p:childTnLst>
+                          </p:cTn>
+                        </p:par>
+                      </p:childTnLst>
+                    </p:cTn>
+                  </p:par>
+                  <p:par>
+                    <p:cTn id="29" fill="hold">
+                      <p:stCondLst>
+                        <p:cond delay="indefinite"/>
+                      </p:stCondLst>
+                      <p:childTnLst>
+                        <p:par>
+                          <p:cTn id="30" fill="hold">
+                            <p:stCondLst>
+                              <p:cond delay="0"/>
+                            </p:stCondLst>
+                            <p:childTnLst>
+                              <p:par>
+                                <p:cTn id="31" presetID="45" presetClass="exit" presetSubtype="0" fill="hold" nodeType="clickEffect">
+                                  <p:stCondLst>
+                                    <p:cond delay="0"/>
+                                  </p:stCondLst>
+                                  <p:childTnLst>
+                                    <p:animEffect transition="out" filter="fade">
+                                      <p:cBhvr>
+                                        <p:cTn id="32" dur="2000"/>
+                                        <p:tgtEl>
+                                          <p:spTgt spid="33"/>
+                                        </p:tgtEl>
+                                      </p:cBhvr>
+                                    </p:animEffect>
+                                    <p:anim calcmode="lin" valueType="num">
+                                      <p:cBhvr>
+                                        <p:cTn id="33" dur="2000"/>
+                                        <p:tgtEl>
+                                          <p:spTgt spid="33"/>
+                                        </p:tgtEl>
+                                        <p:attrNameLst>
+                                          <p:attrName>ppt_w</p:attrName>
+                                        </p:attrNameLst>
+                                      </p:cBhvr>
+                                      <p:tavLst>
+                                        <p:tav tm="0">
+                                          <p:val>
+                                            <p:strVal val="ppt_w"/>
+                                          </p:val>
+                                        </p:tav>
+                                        <p:tav tm="5000">
+                                          <p:val>
+                                            <p:strVal val="0.92*ppt_w"/>
+                                          </p:val>
+                                        </p:tav>
+                                        <p:tav tm="10000">
+                                          <p:val>
+                                            <p:strVal val="0.71*ppt_w"/>
+                                          </p:val>
+                                        </p:tav>
+                                        <p:tav tm="15000">
+                                          <p:val>
+                                            <p:strVal val="0.38*ppt_w"/>
+                                          </p:val>
+                                        </p:tav>
+                                        <p:tav tm="20000">
+                                          <p:val>
+                                            <p:fltVal val="0"/>
+                                          </p:val>
+                                        </p:tav>
+                                        <p:tav tm="25000">
+                                          <p:val>
+                                            <p:strVal val="-0.38*ppt_w"/>
+                                          </p:val>
+                                        </p:tav>
+                                        <p:tav tm="30000">
+                                          <p:val>
+                                            <p:strVal val="-0.71*ppt_w"/>
+                                          </p:val>
+                                        </p:tav>
+                                        <p:tav tm="35000">
+                                          <p:val>
+                                            <p:strVal val="-0.92*ppt_w"/>
+                                          </p:val>
+                                        </p:tav>
+                                        <p:tav tm="40000">
+                                          <p:val>
+                                            <p:strVal val="-ppt_w"/>
+                                          </p:val>
+                                        </p:tav>
+                                        <p:tav tm="45000">
+                                          <p:val>
+                                            <p:strVal val="-0.92*ppt_w"/>
+                                          </p:val>
+                                        </p:tav>
+                                        <p:tav tm="50000">
+                                          <p:val>
+                                            <p:strVal val="-0.71*ppt_w"/>
+                                          </p:val>
+                                        </p:tav>
+                                        <p:tav tm="55000">
+                                          <p:val>
+                                            <p:strVal val="-0.38*ppt_w"/>
+                                          </p:val>
+                                        </p:tav>
+                                        <p:tav tm="60000">
+                                          <p:val>
+                                            <p:fltVal val="0"/>
+                                          </p:val>
+                                        </p:tav>
+                                        <p:tav tm="65000">
+                                          <p:val>
+                                            <p:strVal val="0.38*ppt_w"/>
+                                          </p:val>
+                                        </p:tav>
+                                        <p:tav tm="70000">
+                                          <p:val>
+                                            <p:strVal val="0.71*ppt_w"/>
+                                          </p:val>
+                                        </p:tav>
+                                        <p:tav tm="75000">
+                                          <p:val>
+                                            <p:strVal val="0.92*ppt_w"/>
+                                          </p:val>
+                                        </p:tav>
+                                        <p:tav tm="80000">
+                                          <p:val>
+                                            <p:strVal val="ppt_w"/>
+                                          </p:val>
+                                        </p:tav>
+                                        <p:tav tm="85000">
+                                          <p:val>
+                                            <p:strVal val="0.92*ppt_w"/>
+                                          </p:val>
+                                        </p:tav>
+                                        <p:tav tm="90000">
+                                          <p:val>
+                                            <p:strVal val="0.71*ppt_w"/>
+                                          </p:val>
+                                        </p:tav>
+                                        <p:tav tm="95000">
+                                          <p:val>
+                                            <p:strVal val="0.38*ppt_w"/>
+                                          </p:val>
+                                        </p:tav>
+                                        <p:tav tm="100000">
+                                          <p:val>
+                                            <p:fltVal val="0"/>
+                                          </p:val>
+                                        </p:tav>
+                                      </p:tavLst>
+                                    </p:anim>
+                                    <p:anim calcmode="lin" valueType="num">
+                                      <p:cBhvr>
+                                        <p:cTn id="34" dur="2000"/>
+                                        <p:tgtEl>
+                                          <p:spTgt spid="33"/>
+                                        </p:tgtEl>
+                                        <p:attrNameLst>
+                                          <p:attrName>ppt_h</p:attrName>
+                                        </p:attrNameLst>
+                                      </p:cBhvr>
+                                      <p:tavLst>
+                                        <p:tav tm="0">
+                                          <p:val>
+                                            <p:strVal val="ppt_h"/>
+                                          </p:val>
+                                        </p:tav>
+                                        <p:tav tm="100000">
+                                          <p:val>
+                                            <p:strVal val="ppt_h"/>
+                                          </p:val>
+                                        </p:tav>
+                                      </p:tavLst>
+                                    </p:anim>
+                                    <p:set>
+                                      <p:cBhvr>
+                                        <p:cTn id="35" dur="1" fill="hold">
+                                          <p:stCondLst>
+                                            <p:cond delay="1999"/>
+                                          </p:stCondLst>
+                                        </p:cTn>
+                                        <p:tgtEl>
+                                          <p:spTgt spid="33"/>
+                                        </p:tgtEl>
+                                        <p:attrNameLst>
+                                          <p:attrName>style.visibility</p:attrName>
+                                        </p:attrNameLst>
+                                      </p:cBhvr>
+                                      <p:to>
+                                        <p:strVal val="hidden"/>
+                                      </p:to>
+                                    </p:set>
+                                  </p:childTnLst>
+                                </p:cTn>
+                              </p:par>
+                            </p:childTnLst>
+                          </p:cTn>
+                        </p:par>
+                      </p:childTnLst>
+                    </p:cTn>
+                  </p:par>
+                </p:childTnLst>
+              </p:cTn>
+              <p:prevCondLst>
+                <p:cond evt="onPrev" delay="0">
+                  <p:tgtEl>
+                    <p:sldTgt/>
+                  </p:tgtEl>
+                </p:cond>
+              </p:prevCondLst>
+              <p:nextCondLst>
+                <p:cond evt="onNext" delay="0">
+                  <p:tgtEl>
+                    <p:sldTgt/>
+                  </p:tgtEl>
+                </p:cond>
+              </p:nextCondLst>
+            </p:seq>
+          </p:childTnLst>
+        </p:cTn>
+      </p:par>
+    </p:tnLst>
+  </p:timing>
 </p:sld>
 </file>
 
@@ -11845,7 +14149,7 @@
           <p:cNvPr id="2" name="Title 1">
             <a:extLst>
               <a:ext uri="{FF2B5EF4-FFF2-40B4-BE49-F238E27FC236}">
-                <a16:creationId xmlns:a16="http://schemas.microsoft.com/office/drawing/2014/main" id="{5057451B-8AB4-8717-B459-D956B5DC4EE4}"/>
+                <a16:creationId xmlns:a16="http://schemas.microsoft.com/office/drawing/2014/main" id="{78F1F49C-49E9-39ED-529D-C6AC573F872D}"/>
               </a:ext>
             </a:extLst>
           </p:cNvPr>
@@ -11853,7 +14157,7 @@
             <a:spLocks noGrp="1"/>
           </p:cNvSpPr>
           <p:nvPr>
-            <p:ph type="ctrTitle"/>
+            <p:ph type="title"/>
           </p:nvPr>
         </p:nvSpPr>
         <p:spPr/>
@@ -11862,18 +14166,18 @@
           <a:lstStyle/>
           <a:p>
             <a:r>
-              <a:rPr lang="en-US" dirty="0"/>
-              <a:t>Construction Chaos</a:t>
+              <a:rPr lang="en-GB" dirty="0"/>
+              <a:t>Mandatory Slides for 10-20-30</a:t>
             </a:r>
           </a:p>
         </p:txBody>
       </p:sp>
       <p:sp>
         <p:nvSpPr>
-          <p:cNvPr id="3" name="Subtitle 2">
-            <a:extLst>
-              <a:ext uri="{FF2B5EF4-FFF2-40B4-BE49-F238E27FC236}">
-                <a16:creationId xmlns:a16="http://schemas.microsoft.com/office/drawing/2014/main" id="{44D30DA6-116A-67FD-AED8-4C8E653A0FFD}"/>
+          <p:cNvPr id="4" name="Content Placeholder 3">
+            <a:extLst>
+              <a:ext uri="{FF2B5EF4-FFF2-40B4-BE49-F238E27FC236}">
+                <a16:creationId xmlns:a16="http://schemas.microsoft.com/office/drawing/2014/main" id="{789F29A6-0FBB-4C97-9DD3-271A6B2313CB}"/>
               </a:ext>
             </a:extLst>
           </p:cNvPr>
@@ -11881,25 +14185,311 @@
             <a:spLocks noGrp="1"/>
           </p:cNvSpPr>
           <p:nvPr>
-            <p:ph type="subTitle" idx="1"/>
+            <p:ph sz="half" idx="2"/>
           </p:nvPr>
         </p:nvSpPr>
-        <p:spPr/>
+        <p:spPr>
+          <a:xfrm>
+            <a:off x="5477256" y="1825625"/>
+            <a:ext cx="6501384" cy="4351338"/>
+          </a:xfrm>
+        </p:spPr>
         <p:txBody>
-          <a:bodyPr/>
+          <a:bodyPr>
+            <a:normAutofit fontScale="85000" lnSpcReduction="20000"/>
+          </a:bodyPr>
           <a:lstStyle/>
           <a:p>
             <a:r>
-              <a:rPr lang="en-US" dirty="0"/>
-              <a:t>By Ken </a:t>
+              <a:rPr lang="en-GB" dirty="0">
+                <a:ea typeface="Darumadrop One"/>
+              </a:rPr>
+              <a:t>Title Page</a:t>
+            </a:r>
+          </a:p>
+          <a:p>
+            <a:r>
+              <a:rPr lang="en-GB" dirty="0">
+                <a:ea typeface="Darumadrop One"/>
+              </a:rPr>
+              <a:t>[Caleb] Problem / Opportunity</a:t>
+            </a:r>
+          </a:p>
+          <a:p>
+            <a:r>
+              <a:rPr lang="en-GB" dirty="0">
+                <a:ea typeface="Darumadrop One"/>
+              </a:rPr>
+              <a:t>[Caleb] Value Proposition (push - right)</a:t>
+            </a:r>
+          </a:p>
+          <a:p>
+            <a:r>
+              <a:rPr lang="en-GB" dirty="0">
+                <a:ea typeface="Darumadrop One"/>
+              </a:rPr>
+              <a:t>[Caleb] Underlying Magic (face – nice job)</a:t>
+            </a:r>
+          </a:p>
+          <a:p>
+            <a:r>
+              <a:rPr lang="en-GB" dirty="0">
+                <a:ea typeface="Darumadrop One"/>
+              </a:rPr>
+              <a:t>[Jon] Business Model (push - up)</a:t>
+            </a:r>
+          </a:p>
+          <a:p>
+            <a:r>
+              <a:rPr lang="en-GB" dirty="0">
+                <a:ea typeface="Darumadrop One"/>
+              </a:rPr>
+              <a:t>[Jon] Go To Market Plan (push - right)</a:t>
+            </a:r>
+          </a:p>
+          <a:p>
+            <a:r>
+              <a:rPr lang="en-GB" dirty="0">
+                <a:ea typeface="Darumadrop One"/>
+              </a:rPr>
+              <a:t>[Jon] Competitive Analysis (face - </a:t>
             </a:r>
             <a:r>
-              <a:rPr lang="en-US" dirty="0" err="1"/>
-              <a:t>Struction</a:t>
+              <a:rPr lang="en-GB" dirty="0" err="1">
+                <a:ea typeface="Darumadrop One"/>
+              </a:rPr>
+              <a:t>wowza</a:t>
             </a:r>
             <a:r>
-              <a:rPr lang="en-US" dirty="0"/>
-              <a:t> Studios</a:t>
+              <a:rPr lang="en-GB" dirty="0">
+                <a:ea typeface="Darumadrop One"/>
+              </a:rPr>
+              <a:t>)</a:t>
+            </a:r>
+          </a:p>
+          <a:p>
+            <a:r>
+              <a:rPr lang="en-GB" dirty="0">
+                <a:ea typeface="Darumadrop One"/>
+              </a:rPr>
+              <a:t>[Conrad] Management Team (Morph)</a:t>
+            </a:r>
+          </a:p>
+          <a:p>
+            <a:r>
+              <a:rPr lang="en-GB" dirty="0">
+                <a:ea typeface="Darumadrop One"/>
+              </a:rPr>
+              <a:t>[Zeki] Financial Projections and Key Metrics</a:t>
+            </a:r>
+          </a:p>
+          <a:p>
+            <a:r>
+              <a:rPr lang="en-GB" dirty="0">
+                <a:ea typeface="Darumadrop One"/>
+              </a:rPr>
+              <a:t>[Zeki] Current Status, Accomplishments to Date, Time Management and Use of Funds</a:t>
+            </a:r>
+          </a:p>
+        </p:txBody>
+      </p:sp>
+      <p:sp>
+        <p:nvSpPr>
+          <p:cNvPr id="3" name="Content Placeholder 3">
+            <a:extLst>
+              <a:ext uri="{FF2B5EF4-FFF2-40B4-BE49-F238E27FC236}">
+                <a16:creationId xmlns:a16="http://schemas.microsoft.com/office/drawing/2014/main" id="{79532B02-3AD9-0F8D-559E-A5870FF5B70B}"/>
+              </a:ext>
+            </a:extLst>
+          </p:cNvPr>
+          <p:cNvSpPr txBox="1">
+            <a:spLocks/>
+          </p:cNvSpPr>
+          <p:nvPr/>
+        </p:nvSpPr>
+        <p:spPr>
+          <a:xfrm>
+            <a:off x="213360" y="1901951"/>
+            <a:ext cx="3947160" cy="1399033"/>
+          </a:xfrm>
+          <a:prstGeom prst="rect">
+            <a:avLst/>
+          </a:prstGeom>
+        </p:spPr>
+        <p:txBody>
+          <a:bodyPr vert="horz" lIns="91440" tIns="45720" rIns="91440" bIns="45720" rtlCol="0">
+            <a:normAutofit/>
+          </a:bodyPr>
+          <a:lstStyle>
+            <a:lvl1pPr marL="228600" indent="-228600" algn="l" defTabSz="914400" rtl="0" eaLnBrk="1" latinLnBrk="0" hangingPunct="1">
+              <a:lnSpc>
+                <a:spcPct val="90000"/>
+              </a:lnSpc>
+              <a:spcBef>
+                <a:spcPts val="1000"/>
+              </a:spcBef>
+              <a:buFont typeface="Arial" panose="020B0604020202020204" pitchFamily="34" charset="0"/>
+              <a:buChar char="•"/>
+              <a:defRPr sz="2800" kern="1200">
+                <a:solidFill>
+                  <a:schemeClr val="tx1"/>
+                </a:solidFill>
+                <a:latin typeface="Darumadrop One" pitchFamily="2" charset="-128"/>
+                <a:ea typeface="Darumadrop One" pitchFamily="2" charset="-128"/>
+                <a:cs typeface="+mn-cs"/>
+              </a:defRPr>
+            </a:lvl1pPr>
+            <a:lvl2pPr marL="685800" indent="-228600" algn="l" defTabSz="914400" rtl="0" eaLnBrk="1" latinLnBrk="0" hangingPunct="1">
+              <a:lnSpc>
+                <a:spcPct val="90000"/>
+              </a:lnSpc>
+              <a:spcBef>
+                <a:spcPts val="500"/>
+              </a:spcBef>
+              <a:buFont typeface="Arial" panose="020B0604020202020204" pitchFamily="34" charset="0"/>
+              <a:buChar char="•"/>
+              <a:defRPr sz="2400" kern="1200">
+                <a:solidFill>
+                  <a:schemeClr val="tx1"/>
+                </a:solidFill>
+                <a:latin typeface="Darumadrop One" pitchFamily="2" charset="-128"/>
+                <a:ea typeface="Darumadrop One" pitchFamily="2" charset="-128"/>
+                <a:cs typeface="+mn-cs"/>
+              </a:defRPr>
+            </a:lvl2pPr>
+            <a:lvl3pPr marL="1143000" indent="-228600" algn="l" defTabSz="914400" rtl="0" eaLnBrk="1" latinLnBrk="0" hangingPunct="1">
+              <a:lnSpc>
+                <a:spcPct val="90000"/>
+              </a:lnSpc>
+              <a:spcBef>
+                <a:spcPts val="500"/>
+              </a:spcBef>
+              <a:buFont typeface="Arial" panose="020B0604020202020204" pitchFamily="34" charset="0"/>
+              <a:buChar char="•"/>
+              <a:defRPr sz="2000" kern="1200">
+                <a:solidFill>
+                  <a:schemeClr val="tx1"/>
+                </a:solidFill>
+                <a:latin typeface="Darumadrop One" pitchFamily="2" charset="-128"/>
+                <a:ea typeface="Darumadrop One" pitchFamily="2" charset="-128"/>
+                <a:cs typeface="+mn-cs"/>
+              </a:defRPr>
+            </a:lvl3pPr>
+            <a:lvl4pPr marL="1600200" indent="-228600" algn="l" defTabSz="914400" rtl="0" eaLnBrk="1" latinLnBrk="0" hangingPunct="1">
+              <a:lnSpc>
+                <a:spcPct val="90000"/>
+              </a:lnSpc>
+              <a:spcBef>
+                <a:spcPts val="500"/>
+              </a:spcBef>
+              <a:buFont typeface="Arial" panose="020B0604020202020204" pitchFamily="34" charset="0"/>
+              <a:buChar char="•"/>
+              <a:defRPr sz="1800" kern="1200">
+                <a:solidFill>
+                  <a:schemeClr val="tx1"/>
+                </a:solidFill>
+                <a:latin typeface="Darumadrop One" pitchFamily="2" charset="-128"/>
+                <a:ea typeface="Darumadrop One" pitchFamily="2" charset="-128"/>
+                <a:cs typeface="+mn-cs"/>
+              </a:defRPr>
+            </a:lvl4pPr>
+            <a:lvl5pPr marL="2057400" indent="-228600" algn="l" defTabSz="914400" rtl="0" eaLnBrk="1" latinLnBrk="0" hangingPunct="1">
+              <a:lnSpc>
+                <a:spcPct val="90000"/>
+              </a:lnSpc>
+              <a:spcBef>
+                <a:spcPts val="500"/>
+              </a:spcBef>
+              <a:buFont typeface="Arial" panose="020B0604020202020204" pitchFamily="34" charset="0"/>
+              <a:buChar char="•"/>
+              <a:defRPr sz="1800" kern="1200">
+                <a:solidFill>
+                  <a:schemeClr val="tx1"/>
+                </a:solidFill>
+                <a:latin typeface="Darumadrop One" pitchFamily="2" charset="-128"/>
+                <a:ea typeface="Darumadrop One" pitchFamily="2" charset="-128"/>
+                <a:cs typeface="+mn-cs"/>
+              </a:defRPr>
+            </a:lvl5pPr>
+            <a:lvl6pPr marL="2514600" indent="-228600" algn="l" defTabSz="914400" rtl="0" eaLnBrk="1" latinLnBrk="0" hangingPunct="1">
+              <a:lnSpc>
+                <a:spcPct val="90000"/>
+              </a:lnSpc>
+              <a:spcBef>
+                <a:spcPts val="500"/>
+              </a:spcBef>
+              <a:buFont typeface="Arial" panose="020B0604020202020204" pitchFamily="34" charset="0"/>
+              <a:buChar char="•"/>
+              <a:defRPr sz="1800" kern="1200">
+                <a:solidFill>
+                  <a:schemeClr val="tx1"/>
+                </a:solidFill>
+                <a:latin typeface="+mn-lt"/>
+                <a:ea typeface="+mn-ea"/>
+                <a:cs typeface="+mn-cs"/>
+              </a:defRPr>
+            </a:lvl6pPr>
+            <a:lvl7pPr marL="2971800" indent="-228600" algn="l" defTabSz="914400" rtl="0" eaLnBrk="1" latinLnBrk="0" hangingPunct="1">
+              <a:lnSpc>
+                <a:spcPct val="90000"/>
+              </a:lnSpc>
+              <a:spcBef>
+                <a:spcPts val="500"/>
+              </a:spcBef>
+              <a:buFont typeface="Arial" panose="020B0604020202020204" pitchFamily="34" charset="0"/>
+              <a:buChar char="•"/>
+              <a:defRPr sz="1800" kern="1200">
+                <a:solidFill>
+                  <a:schemeClr val="tx1"/>
+                </a:solidFill>
+                <a:latin typeface="+mn-lt"/>
+                <a:ea typeface="+mn-ea"/>
+                <a:cs typeface="+mn-cs"/>
+              </a:defRPr>
+            </a:lvl7pPr>
+            <a:lvl8pPr marL="3429000" indent="-228600" algn="l" defTabSz="914400" rtl="0" eaLnBrk="1" latinLnBrk="0" hangingPunct="1">
+              <a:lnSpc>
+                <a:spcPct val="90000"/>
+              </a:lnSpc>
+              <a:spcBef>
+                <a:spcPts val="500"/>
+              </a:spcBef>
+              <a:buFont typeface="Arial" panose="020B0604020202020204" pitchFamily="34" charset="0"/>
+              <a:buChar char="•"/>
+              <a:defRPr sz="1800" kern="1200">
+                <a:solidFill>
+                  <a:schemeClr val="tx1"/>
+                </a:solidFill>
+                <a:latin typeface="+mn-lt"/>
+                <a:ea typeface="+mn-ea"/>
+                <a:cs typeface="+mn-cs"/>
+              </a:defRPr>
+            </a:lvl8pPr>
+            <a:lvl9pPr marL="3886200" indent="-228600" algn="l" defTabSz="914400" rtl="0" eaLnBrk="1" latinLnBrk="0" hangingPunct="1">
+              <a:lnSpc>
+                <a:spcPct val="90000"/>
+              </a:lnSpc>
+              <a:spcBef>
+                <a:spcPts val="500"/>
+              </a:spcBef>
+              <a:buFont typeface="Arial" panose="020B0604020202020204" pitchFamily="34" charset="0"/>
+              <a:buChar char="•"/>
+              <a:defRPr sz="1800" kern="1200">
+                <a:solidFill>
+                  <a:schemeClr val="tx1"/>
+                </a:solidFill>
+                <a:latin typeface="+mn-lt"/>
+                <a:ea typeface="+mn-ea"/>
+                <a:cs typeface="+mn-cs"/>
+              </a:defRPr>
+            </a:lvl9pPr>
+          </a:lstStyle>
+          <a:p>
+            <a:r>
+              <a:rPr lang="en-GB" sz="2400" dirty="0">
+                <a:ea typeface="Darumadrop One"/>
+              </a:rPr>
+              <a:t>[Conrad] Additional presentation artwork</a:t>
             </a:r>
           </a:p>
         </p:txBody>
@@ -11907,7 +14497,7 @@
     </p:spTree>
     <p:extLst>
       <p:ext uri="{BB962C8B-B14F-4D97-AF65-F5344CB8AC3E}">
-        <p14:creationId xmlns:p14="http://schemas.microsoft.com/office/powerpoint/2010/main" val="1244523688"/>
+        <p14:creationId xmlns:p14="http://schemas.microsoft.com/office/powerpoint/2010/main" val="2588066020"/>
       </p:ext>
     </p:extLst>
   </p:cSld>
@@ -11939,7 +14529,7 @@
           <p:cNvPr id="2" name="Title 1">
             <a:extLst>
               <a:ext uri="{FF2B5EF4-FFF2-40B4-BE49-F238E27FC236}">
-                <a16:creationId xmlns:a16="http://schemas.microsoft.com/office/drawing/2014/main" id="{64349142-6BA3-0AC8-D7CD-4C9033C177AB}"/>
+                <a16:creationId xmlns:a16="http://schemas.microsoft.com/office/drawing/2014/main" id="{5057451B-8AB4-8717-B459-D956B5DC4EE4}"/>
               </a:ext>
             </a:extLst>
           </p:cNvPr>
@@ -11947,7 +14537,7 @@
             <a:spLocks noGrp="1"/>
           </p:cNvSpPr>
           <p:nvPr>
-            <p:ph type="title"/>
+            <p:ph type="ctrTitle"/>
           </p:nvPr>
         </p:nvSpPr>
         <p:spPr/>
@@ -11957,17 +14547,17 @@
           <a:p>
             <a:r>
               <a:rPr lang="en-US" dirty="0"/>
-              <a:t>Opportunity</a:t>
+              <a:t>Construction Chaos</a:t>
             </a:r>
           </a:p>
         </p:txBody>
       </p:sp>
       <p:sp>
         <p:nvSpPr>
-          <p:cNvPr id="3" name="Content Placeholder 2">
-            <a:extLst>
-              <a:ext uri="{FF2B5EF4-FFF2-40B4-BE49-F238E27FC236}">
-                <a16:creationId xmlns:a16="http://schemas.microsoft.com/office/drawing/2014/main" id="{F1D48956-30DB-43D0-8270-41D1A88C8B29}"/>
+          <p:cNvPr id="3" name="Subtitle 2">
+            <a:extLst>
+              <a:ext uri="{FF2B5EF4-FFF2-40B4-BE49-F238E27FC236}">
+                <a16:creationId xmlns:a16="http://schemas.microsoft.com/office/drawing/2014/main" id="{44D30DA6-116A-67FD-AED8-4C8E653A0FFD}"/>
               </a:ext>
             </a:extLst>
           </p:cNvPr>
@@ -11975,7 +14565,7 @@
             <a:spLocks noGrp="1"/>
           </p:cNvSpPr>
           <p:nvPr>
-            <p:ph idx="1"/>
+            <p:ph type="subTitle" idx="1"/>
           </p:nvPr>
         </p:nvSpPr>
         <p:spPr/>
@@ -11983,14 +14573,25 @@
           <a:bodyPr/>
           <a:lstStyle/>
           <a:p>
-            <a:endParaRPr lang="en-US" dirty="0"/>
+            <a:r>
+              <a:rPr lang="en-US" dirty="0"/>
+              <a:t>By Ken </a:t>
+            </a:r>
+            <a:r>
+              <a:rPr lang="en-US" dirty="0" err="1"/>
+              <a:t>Struction</a:t>
+            </a:r>
+            <a:r>
+              <a:rPr lang="en-US" dirty="0"/>
+              <a:t> Studios</a:t>
+            </a:r>
           </a:p>
         </p:txBody>
       </p:sp>
     </p:spTree>
     <p:extLst>
       <p:ext uri="{BB962C8B-B14F-4D97-AF65-F5344CB8AC3E}">
-        <p14:creationId xmlns:p14="http://schemas.microsoft.com/office/powerpoint/2010/main" val="2025460678"/>
+        <p14:creationId xmlns:p14="http://schemas.microsoft.com/office/powerpoint/2010/main" val="1244523688"/>
       </p:ext>
     </p:extLst>
   </p:cSld>
@@ -12022,6 +14623,64 @@
           <p:cNvPr id="2" name="Title 1">
             <a:extLst>
               <a:ext uri="{FF2B5EF4-FFF2-40B4-BE49-F238E27FC236}">
+                <a16:creationId xmlns:a16="http://schemas.microsoft.com/office/drawing/2014/main" id="{64349142-6BA3-0AC8-D7CD-4C9033C177AB}"/>
+              </a:ext>
+            </a:extLst>
+          </p:cNvPr>
+          <p:cNvSpPr>
+            <a:spLocks noGrp="1"/>
+          </p:cNvSpPr>
+          <p:nvPr>
+            <p:ph type="title"/>
+          </p:nvPr>
+        </p:nvSpPr>
+        <p:spPr/>
+        <p:txBody>
+          <a:bodyPr/>
+          <a:lstStyle/>
+          <a:p>
+            <a:r>
+              <a:rPr lang="en-US" dirty="0"/>
+              <a:t>Opportunity</a:t>
+            </a:r>
+          </a:p>
+        </p:txBody>
+      </p:sp>
+    </p:spTree>
+    <p:extLst>
+      <p:ext uri="{BB962C8B-B14F-4D97-AF65-F5344CB8AC3E}">
+        <p14:creationId xmlns:p14="http://schemas.microsoft.com/office/powerpoint/2010/main" val="2025460678"/>
+      </p:ext>
+    </p:extLst>
+  </p:cSld>
+  <p:clrMapOvr>
+    <a:masterClrMapping/>
+  </p:clrMapOvr>
+</p:sld>
+</file>
+
+<file path=ppt/slides/slide6.xml><?xml version="1.0" encoding="utf-8"?>
+<p:sld xmlns:a="http://schemas.openxmlformats.org/drawingml/2006/main" xmlns:r="http://schemas.openxmlformats.org/officeDocument/2006/relationships" xmlns:p="http://schemas.openxmlformats.org/presentationml/2006/main">
+  <p:cSld>
+    <p:spTree>
+      <p:nvGrpSpPr>
+        <p:cNvPr id="1" name=""/>
+        <p:cNvGrpSpPr/>
+        <p:nvPr/>
+      </p:nvGrpSpPr>
+      <p:grpSpPr>
+        <a:xfrm>
+          <a:off x="0" y="0"/>
+          <a:ext cx="0" cy="0"/>
+          <a:chOff x="0" y="0"/>
+          <a:chExt cx="0" cy="0"/>
+        </a:xfrm>
+      </p:grpSpPr>
+      <p:sp>
+        <p:nvSpPr>
+          <p:cNvPr id="2" name="Title 1">
+            <a:extLst>
+              <a:ext uri="{FF2B5EF4-FFF2-40B4-BE49-F238E27FC236}">
                 <a16:creationId xmlns:a16="http://schemas.microsoft.com/office/drawing/2014/main" id="{449EE2CF-B358-8D0B-F3DA-42EB60E9E579}"/>
               </a:ext>
             </a:extLst>
@@ -12111,7 +14770,7 @@
 </p:sld>
 </file>
 
-<file path=ppt/slides/slide6.xml><?xml version="1.0" encoding="utf-8"?>
+<file path=ppt/slides/slide7.xml><?xml version="1.0" encoding="utf-8"?>
 <p:sld xmlns:a="http://schemas.openxmlformats.org/drawingml/2006/main" xmlns:r="http://schemas.openxmlformats.org/officeDocument/2006/relationships" xmlns:p="http://schemas.openxmlformats.org/presentationml/2006/main">
   <p:cSld>
     <p:spTree>
@@ -12272,11 +14931,11 @@
   <p:clrMapOvr>
     <a:masterClrMapping/>
   </p:clrMapOvr>
-  <mc:AlternateContent xmlns:mc="http://schemas.openxmlformats.org/markup-compatibility/2006">
-    <mc:Choice xmlns:p14="http://schemas.microsoft.com/office/powerpoint/2010/main" Requires="p14">
+  <mc:AlternateContent xmlns:mc="http://schemas.openxmlformats.org/markup-compatibility/2006" xmlns:p14="http://schemas.microsoft.com/office/powerpoint/2010/main">
+    <mc:Choice Requires="p14">
       <p:transition p14:dur="0" advClick="0" advTm="500"/>
     </mc:Choice>
-    <mc:Fallback>
+    <mc:Fallback xmlns="">
       <p:transition advClick="0" advTm="500"/>
     </mc:Fallback>
   </mc:AlternateContent>
@@ -12389,7 +15048,7 @@
 </p:sld>
 </file>
 
-<file path=ppt/slides/slide7.xml><?xml version="1.0" encoding="utf-8"?>
+<file path=ppt/slides/slide8.xml><?xml version="1.0" encoding="utf-8"?>
 <p:sld xmlns:a="http://schemas.openxmlformats.org/drawingml/2006/main" xmlns:r="http://schemas.openxmlformats.org/officeDocument/2006/relationships" xmlns:p="http://schemas.openxmlformats.org/presentationml/2006/main">
   <p:cSld>
     <p:spTree>
@@ -12550,13 +15209,13 @@
   <p:clrMapOvr>
     <a:masterClrMapping/>
   </p:clrMapOvr>
-  <mc:AlternateContent xmlns:mc="http://schemas.openxmlformats.org/markup-compatibility/2006">
-    <mc:Choice xmlns:p14="http://schemas.microsoft.com/office/powerpoint/2010/main" Requires="p14">
+  <mc:AlternateContent xmlns:mc="http://schemas.openxmlformats.org/markup-compatibility/2006" xmlns:p14="http://schemas.microsoft.com/office/powerpoint/2010/main">
+    <mc:Choice Requires="p14">
       <p:transition p14:dur="100">
         <p:cut/>
       </p:transition>
     </mc:Choice>
-    <mc:Fallback>
+    <mc:Fallback xmlns="">
       <p:transition>
         <p:cut/>
       </p:transition>
@@ -12637,92 +15296,6 @@
 </p:sld>
 </file>
 
-<file path=ppt/slides/slide8.xml><?xml version="1.0" encoding="utf-8"?>
-<p:sld xmlns:a="http://schemas.openxmlformats.org/drawingml/2006/main" xmlns:r="http://schemas.openxmlformats.org/officeDocument/2006/relationships" xmlns:p="http://schemas.openxmlformats.org/presentationml/2006/main">
-  <p:cSld>
-    <p:spTree>
-      <p:nvGrpSpPr>
-        <p:cNvPr id="1" name=""/>
-        <p:cNvGrpSpPr/>
-        <p:nvPr/>
-      </p:nvGrpSpPr>
-      <p:grpSpPr>
-        <a:xfrm>
-          <a:off x="0" y="0"/>
-          <a:ext cx="0" cy="0"/>
-          <a:chOff x="0" y="0"/>
-          <a:chExt cx="0" cy="0"/>
-        </a:xfrm>
-      </p:grpSpPr>
-      <p:sp>
-        <p:nvSpPr>
-          <p:cNvPr id="2" name="Title 1">
-            <a:extLst>
-              <a:ext uri="{FF2B5EF4-FFF2-40B4-BE49-F238E27FC236}">
-                <a16:creationId xmlns:a16="http://schemas.microsoft.com/office/drawing/2014/main" id="{40DCF6CD-D886-9E52-12EF-E08316869FC9}"/>
-              </a:ext>
-            </a:extLst>
-          </p:cNvPr>
-          <p:cNvSpPr>
-            <a:spLocks noGrp="1"/>
-          </p:cNvSpPr>
-          <p:nvPr>
-            <p:ph type="title"/>
-          </p:nvPr>
-        </p:nvSpPr>
-        <p:spPr/>
-        <p:txBody>
-          <a:bodyPr/>
-          <a:lstStyle/>
-          <a:p>
-            <a:r>
-              <a:rPr lang="en-US" dirty="0"/>
-              <a:t>Demonstration</a:t>
-            </a:r>
-          </a:p>
-        </p:txBody>
-      </p:sp>
-      <p:sp>
-        <p:nvSpPr>
-          <p:cNvPr id="3" name="Content Placeholder 2">
-            <a:extLst>
-              <a:ext uri="{FF2B5EF4-FFF2-40B4-BE49-F238E27FC236}">
-                <a16:creationId xmlns:a16="http://schemas.microsoft.com/office/drawing/2014/main" id="{56F4EF2E-C533-FBEE-B4E8-69132E404B38}"/>
-              </a:ext>
-            </a:extLst>
-          </p:cNvPr>
-          <p:cNvSpPr>
-            <a:spLocks noGrp="1"/>
-          </p:cNvSpPr>
-          <p:nvPr>
-            <p:ph sz="half" idx="2"/>
-          </p:nvPr>
-        </p:nvSpPr>
-        <p:spPr/>
-        <p:txBody>
-          <a:bodyPr/>
-          <a:lstStyle/>
-          <a:p>
-            <a:endParaRPr lang="en-US"/>
-          </a:p>
-        </p:txBody>
-      </p:sp>
-    </p:spTree>
-    <p:extLst>
-      <p:ext uri="{BB962C8B-B14F-4D97-AF65-F5344CB8AC3E}">
-        <p14:creationId xmlns:p14="http://schemas.microsoft.com/office/powerpoint/2010/main" val="3262919618"/>
-      </p:ext>
-    </p:extLst>
-  </p:cSld>
-  <p:clrMapOvr>
-    <a:masterClrMapping/>
-  </p:clrMapOvr>
-  <p:transition spd="slow">
-    <p:push/>
-  </p:transition>
-</p:sld>
-</file>
-
 <file path=ppt/slides/slide9.xml><?xml version="1.0" encoding="utf-8"?>
 <p:sld xmlns:a="http://schemas.openxmlformats.org/drawingml/2006/main" xmlns:r="http://schemas.openxmlformats.org/officeDocument/2006/relationships" xmlns:p="http://schemas.openxmlformats.org/presentationml/2006/main">
   <p:cSld>
@@ -12796,7 +15369,7 @@
     </p:spTree>
     <p:extLst>
       <p:ext uri="{BB962C8B-B14F-4D97-AF65-F5344CB8AC3E}">
-        <p14:creationId xmlns:p14="http://schemas.microsoft.com/office/powerpoint/2010/main" val="1474825517"/>
+        <p14:creationId xmlns:p14="http://schemas.microsoft.com/office/powerpoint/2010/main" val="3262919618"/>
       </p:ext>
     </p:extLst>
   </p:cSld>
